--- a/Documentation/DS.pptx
+++ b/Documentation/DS.pptx
@@ -222,7 +222,7 @@
           <a:p>
             <a:fld id="{89EB5F12-B49D-4346-95C2-7D78DCBDCE6A}" type="datetimeFigureOut">
               <a:rPr lang="en-US" smtClean="0"/>
-              <a:t>5/13/2018</a:t>
+              <a:t>5/14/2018</a:t>
             </a:fld>
             <a:endParaRPr lang="en-US"/>
           </a:p>
@@ -904,7 +904,7 @@
           <a:p>
             <a:fld id="{674863A4-611F-4679-BBC9-82599993CC00}" type="datetimeFigureOut">
               <a:rPr lang="en-US" smtClean="0"/>
-              <a:t>5/13/2018</a:t>
+              <a:t>5/14/2018</a:t>
             </a:fld>
             <a:endParaRPr lang="en-US"/>
           </a:p>
@@ -1228,7 +1228,7 @@
           <a:p>
             <a:fld id="{674863A4-611F-4679-BBC9-82599993CC00}" type="datetimeFigureOut">
               <a:rPr lang="en-US" smtClean="0"/>
-              <a:t>5/13/2018</a:t>
+              <a:t>5/14/2018</a:t>
             </a:fld>
             <a:endParaRPr lang="en-US"/>
           </a:p>
@@ -1476,7 +1476,7 @@
           <a:p>
             <a:fld id="{674863A4-611F-4679-BBC9-82599993CC00}" type="datetimeFigureOut">
               <a:rPr lang="en-US" smtClean="0"/>
-              <a:t>5/13/2018</a:t>
+              <a:t>5/14/2018</a:t>
             </a:fld>
             <a:endParaRPr lang="en-US"/>
           </a:p>
@@ -1815,7 +1815,7 @@
           <a:p>
             <a:fld id="{674863A4-611F-4679-BBC9-82599993CC00}" type="datetimeFigureOut">
               <a:rPr lang="en-US" smtClean="0"/>
-              <a:t>5/13/2018</a:t>
+              <a:t>5/14/2018</a:t>
             </a:fld>
             <a:endParaRPr lang="en-US"/>
           </a:p>
@@ -2162,7 +2162,7 @@
           <a:p>
             <a:fld id="{674863A4-611F-4679-BBC9-82599993CC00}" type="datetimeFigureOut">
               <a:rPr lang="en-US" smtClean="0"/>
-              <a:t>5/13/2018</a:t>
+              <a:t>5/14/2018</a:t>
             </a:fld>
             <a:endParaRPr lang="en-US"/>
           </a:p>
@@ -2536,7 +2536,7 @@
           <a:p>
             <a:fld id="{674863A4-611F-4679-BBC9-82599993CC00}" type="datetimeFigureOut">
               <a:rPr lang="en-US" smtClean="0"/>
-              <a:t>5/13/2018</a:t>
+              <a:t>5/14/2018</a:t>
             </a:fld>
             <a:endParaRPr lang="en-US"/>
           </a:p>
@@ -3006,7 +3006,7 @@
           <a:p>
             <a:fld id="{674863A4-611F-4679-BBC9-82599993CC00}" type="datetimeFigureOut">
               <a:rPr lang="en-US" smtClean="0"/>
-              <a:t>5/13/2018</a:t>
+              <a:t>5/14/2018</a:t>
             </a:fld>
             <a:endParaRPr lang="en-US"/>
           </a:p>
@@ -3211,7 +3211,7 @@
           <a:p>
             <a:fld id="{674863A4-611F-4679-BBC9-82599993CC00}" type="datetimeFigureOut">
               <a:rPr lang="en-US" smtClean="0"/>
-              <a:t>5/13/2018</a:t>
+              <a:t>5/14/2018</a:t>
             </a:fld>
             <a:endParaRPr lang="en-US"/>
           </a:p>
@@ -3422,7 +3422,7 @@
           <a:p>
             <a:fld id="{674863A4-611F-4679-BBC9-82599993CC00}" type="datetimeFigureOut">
               <a:rPr lang="en-US" smtClean="0"/>
-              <a:t>5/13/2018</a:t>
+              <a:t>5/14/2018</a:t>
             </a:fld>
             <a:endParaRPr lang="en-US"/>
           </a:p>
@@ -3654,7 +3654,7 @@
           <a:p>
             <a:fld id="{674863A4-611F-4679-BBC9-82599993CC00}" type="datetimeFigureOut">
               <a:rPr lang="en-US" smtClean="0"/>
-              <a:t>5/13/2018</a:t>
+              <a:t>5/14/2018</a:t>
             </a:fld>
             <a:endParaRPr lang="en-US"/>
           </a:p>
@@ -3902,7 +3902,7 @@
           <a:p>
             <a:fld id="{674863A4-611F-4679-BBC9-82599993CC00}" type="datetimeFigureOut">
               <a:rPr lang="en-US" smtClean="0"/>
-              <a:t>5/13/2018</a:t>
+              <a:t>5/14/2018</a:t>
             </a:fld>
             <a:endParaRPr lang="en-US"/>
           </a:p>
@@ -4200,7 +4200,7 @@
           <a:p>
             <a:fld id="{674863A4-611F-4679-BBC9-82599993CC00}" type="datetimeFigureOut">
               <a:rPr lang="en-US" smtClean="0"/>
-              <a:t>5/13/2018</a:t>
+              <a:t>5/14/2018</a:t>
             </a:fld>
             <a:endParaRPr lang="en-US"/>
           </a:p>
@@ -4594,7 +4594,7 @@
           <a:p>
             <a:fld id="{674863A4-611F-4679-BBC9-82599993CC00}" type="datetimeFigureOut">
               <a:rPr lang="en-US" smtClean="0"/>
-              <a:t>5/13/2018</a:t>
+              <a:t>5/14/2018</a:t>
             </a:fld>
             <a:endParaRPr lang="en-US"/>
           </a:p>
@@ -4743,7 +4743,7 @@
           <a:p>
             <a:fld id="{674863A4-611F-4679-BBC9-82599993CC00}" type="datetimeFigureOut">
               <a:rPr lang="en-US" smtClean="0"/>
-              <a:t>5/13/2018</a:t>
+              <a:t>5/14/2018</a:t>
             </a:fld>
             <a:endParaRPr lang="en-US"/>
           </a:p>
@@ -4869,7 +4869,7 @@
           <a:p>
             <a:fld id="{674863A4-611F-4679-BBC9-82599993CC00}" type="datetimeFigureOut">
               <a:rPr lang="en-US" smtClean="0"/>
-              <a:t>5/13/2018</a:t>
+              <a:t>5/14/2018</a:t>
             </a:fld>
             <a:endParaRPr lang="en-US"/>
           </a:p>
@@ -5124,7 +5124,7 @@
           <a:p>
             <a:fld id="{674863A4-611F-4679-BBC9-82599993CC00}" type="datetimeFigureOut">
               <a:rPr lang="en-US" smtClean="0"/>
-              <a:t>5/13/2018</a:t>
+              <a:t>5/14/2018</a:t>
             </a:fld>
             <a:endParaRPr lang="en-US"/>
           </a:p>
@@ -5439,7 +5439,7 @@
           <a:p>
             <a:fld id="{674863A4-611F-4679-BBC9-82599993CC00}" type="datetimeFigureOut">
               <a:rPr lang="en-US" smtClean="0"/>
-              <a:t>5/13/2018</a:t>
+              <a:t>5/14/2018</a:t>
             </a:fld>
             <a:endParaRPr lang="en-US"/>
           </a:p>
@@ -5790,7 +5790,7 @@
           <a:p>
             <a:fld id="{674863A4-611F-4679-BBC9-82599993CC00}" type="datetimeFigureOut">
               <a:rPr lang="en-US" smtClean="0"/>
-              <a:t>5/13/2018</a:t>
+              <a:t>5/14/2018</a:t>
             </a:fld>
             <a:endParaRPr lang="en-US"/>
           </a:p>
@@ -8558,11 +8558,19 @@
                   <a:srgbClr val="83992A"/>
                 </a:solidFill>
               </a:rPr>
-              <a:t>BN: </a:t>
-            </a:r>
-            <a:r>
-              <a:rPr lang="en-US" sz="3200" dirty="0"/>
-              <a:t>33880</a:t>
+              <a:t>BN</a:t>
+            </a:r>
+            <a:r>
+              <a:rPr lang="en-US" sz="3200">
+                <a:solidFill>
+                  <a:srgbClr val="83992A"/>
+                </a:solidFill>
+              </a:rPr>
+              <a:t>: </a:t>
+            </a:r>
+            <a:r>
+              <a:rPr lang="en-US" sz="3200"/>
+              <a:t>33882</a:t>
             </a:r>
             <a:br>
               <a:rPr lang="en-US" sz="3200" dirty="0"/>

--- a/Documentation/DS.pptx
+++ b/Documentation/DS.pptx
@@ -5,35 +5,37 @@
     <p:sldMasterId id="2147483660" r:id="rId1"/>
   </p:sldMasterIdLst>
   <p:notesMasterIdLst>
-    <p:notesMasterId r:id="rId28"/>
+    <p:notesMasterId r:id="rId30"/>
   </p:notesMasterIdLst>
   <p:sldIdLst>
     <p:sldId id="256" r:id="rId2"/>
     <p:sldId id="263" r:id="rId3"/>
-    <p:sldId id="265" r:id="rId4"/>
-    <p:sldId id="266" r:id="rId5"/>
-    <p:sldId id="274" r:id="rId6"/>
-    <p:sldId id="275" r:id="rId7"/>
-    <p:sldId id="276" r:id="rId8"/>
-    <p:sldId id="277" r:id="rId9"/>
-    <p:sldId id="278" r:id="rId10"/>
-    <p:sldId id="279" r:id="rId11"/>
-    <p:sldId id="280" r:id="rId12"/>
-    <p:sldId id="281" r:id="rId13"/>
-    <p:sldId id="264" r:id="rId14"/>
-    <p:sldId id="257" r:id="rId15"/>
-    <p:sldId id="258" r:id="rId16"/>
-    <p:sldId id="259" r:id="rId17"/>
-    <p:sldId id="260" r:id="rId18"/>
-    <p:sldId id="261" r:id="rId19"/>
-    <p:sldId id="262" r:id="rId20"/>
-    <p:sldId id="267" r:id="rId21"/>
-    <p:sldId id="268" r:id="rId22"/>
-    <p:sldId id="269" r:id="rId23"/>
-    <p:sldId id="270" r:id="rId24"/>
-    <p:sldId id="271" r:id="rId25"/>
-    <p:sldId id="273" r:id="rId26"/>
-    <p:sldId id="272" r:id="rId27"/>
+    <p:sldId id="283" r:id="rId4"/>
+    <p:sldId id="265" r:id="rId5"/>
+    <p:sldId id="266" r:id="rId6"/>
+    <p:sldId id="274" r:id="rId7"/>
+    <p:sldId id="275" r:id="rId8"/>
+    <p:sldId id="276" r:id="rId9"/>
+    <p:sldId id="277" r:id="rId10"/>
+    <p:sldId id="278" r:id="rId11"/>
+    <p:sldId id="279" r:id="rId12"/>
+    <p:sldId id="280" r:id="rId13"/>
+    <p:sldId id="281" r:id="rId14"/>
+    <p:sldId id="264" r:id="rId15"/>
+    <p:sldId id="257" r:id="rId16"/>
+    <p:sldId id="258" r:id="rId17"/>
+    <p:sldId id="259" r:id="rId18"/>
+    <p:sldId id="260" r:id="rId19"/>
+    <p:sldId id="261" r:id="rId20"/>
+    <p:sldId id="262" r:id="rId21"/>
+    <p:sldId id="267" r:id="rId22"/>
+    <p:sldId id="268" r:id="rId23"/>
+    <p:sldId id="269" r:id="rId24"/>
+    <p:sldId id="270" r:id="rId25"/>
+    <p:sldId id="271" r:id="rId26"/>
+    <p:sldId id="273" r:id="rId27"/>
+    <p:sldId id="272" r:id="rId28"/>
+    <p:sldId id="282" r:id="rId29"/>
   </p:sldIdLst>
   <p:sldSz cx="12192000" cy="6858000"/>
   <p:notesSz cx="6858000" cy="9144000"/>
@@ -134,7 +136,7 @@
   </p:defaultTextStyle>
   <p:extLst>
     <p:ext uri="{EFAFB233-063F-42B5-8137-9DF3F51BA10A}">
-      <p15:sldGuideLst xmlns:p15="http://schemas.microsoft.com/office/powerpoint/2012/main"/>
+      <p15:sldGuideLst xmlns="" xmlns:p15="http://schemas.microsoft.com/office/powerpoint/2012/main"/>
     </p:ext>
   </p:extLst>
 </p:presentation>
@@ -554,7 +556,7 @@
           <a:p>
             <a:fld id="{8ADDA7E6-EB1F-4788-87F6-9972F9E9DF70}" type="slidenum">
               <a:rPr lang="en-US" smtClean="0"/>
-              <a:t>15</a:t>
+              <a:t>16</a:t>
             </a:fld>
             <a:endParaRPr lang="en-US"/>
           </a:p>
@@ -6338,7 +6340,7 @@
           <p:cNvPr id="5" name="TextBox 4">
             <a:extLst>
               <a:ext uri="{FF2B5EF4-FFF2-40B4-BE49-F238E27FC236}">
-                <a16:creationId xmlns:a16="http://schemas.microsoft.com/office/drawing/2014/main" id="{8F721998-0DCB-4BF5-8904-11560EA24EBB}"/>
+                <a16:creationId xmlns="" xmlns:a16="http://schemas.microsoft.com/office/drawing/2014/main" id="{8F721998-0DCB-4BF5-8904-11560EA24EBB}"/>
               </a:ext>
             </a:extLst>
           </p:cNvPr>
@@ -6432,6 +6434,13 @@
   <p:clrMapOvr>
     <a:masterClrMapping/>
   </p:clrMapOvr>
+  <p:timing>
+    <p:tnLst>
+      <p:par>
+        <p:cTn id="1" dur="indefinite" restart="never" nodeType="tmRoot"/>
+      </p:par>
+    </p:tnLst>
+  </p:timing>
 </p:sld>
 </file>
 
@@ -6457,7 +6466,7 @@
           <p:cNvPr id="2" name="Title 1">
             <a:extLst>
               <a:ext uri="{FF2B5EF4-FFF2-40B4-BE49-F238E27FC236}">
-                <a16:creationId xmlns:a16="http://schemas.microsoft.com/office/drawing/2014/main" id="{6D72A96A-B2A5-48BE-A4CA-C851561DC79C}"/>
+                <a16:creationId xmlns="" xmlns:a16="http://schemas.microsoft.com/office/drawing/2014/main" id="{6D72A96A-B2A5-48BE-A4CA-C851561DC79C}"/>
               </a:ext>
             </a:extLst>
           </p:cNvPr>
@@ -6492,7 +6501,7 @@
           <p:cNvPr id="3" name="Content Placeholder 2">
             <a:extLst>
               <a:ext uri="{FF2B5EF4-FFF2-40B4-BE49-F238E27FC236}">
-                <a16:creationId xmlns:a16="http://schemas.microsoft.com/office/drawing/2014/main" id="{50EE3FCA-68B2-417F-87C2-FDDE1AEE9B73}"/>
+                <a16:creationId xmlns="" xmlns:a16="http://schemas.microsoft.com/office/drawing/2014/main" id="{50EE3FCA-68B2-417F-87C2-FDDE1AEE9B73}"/>
               </a:ext>
             </a:extLst>
           </p:cNvPr>
@@ -6505,8 +6514,8 @@
         </p:nvSpPr>
         <p:spPr>
           <a:xfrm>
-            <a:off x="1295402" y="2453949"/>
-            <a:ext cx="9601196" cy="3788231"/>
+            <a:off x="1295400" y="2556932"/>
+            <a:ext cx="9601197" cy="3573280"/>
           </a:xfrm>
         </p:spPr>
         <p:txBody>
@@ -6516,75 +6525,42 @@
           <a:lstStyle/>
           <a:p>
             <a:r>
+              <a:rPr lang="en-US" sz="2000" dirty="0">
+                <a:solidFill>
+                  <a:srgbClr val="83992A"/>
+                </a:solidFill>
+              </a:rPr>
+              <a:t>This file is divided into sections each section delivers a certain functionality</a:t>
+            </a:r>
+          </a:p>
+          <a:p>
+            <a:r>
               <a:rPr lang="en-US" sz="2000" b="1" dirty="0"/>
-              <a:t>section four: Operation on a group</a:t>
+              <a:t>section one:</a:t>
             </a:r>
           </a:p>
           <a:p>
             <a:r>
               <a:rPr lang="en-US" sz="2000" dirty="0"/>
-              <a:t>This section mainly is interested in relations between users, sending requests and accepting them or rejecting them</a:t>
+              <a:t>class attributes and static data</a:t>
             </a:r>
           </a:p>
           <a:p>
             <a:r>
               <a:rPr lang="en-US" sz="2000" dirty="0"/>
-              <a:t>It's also possible to show all friends of a certain user with </a:t>
-            </a:r>
-            <a:r>
-              <a:rPr lang="en-US" sz="2000" dirty="0" err="1"/>
-              <a:t>show_friends</a:t>
-            </a:r>
+              <a:t>constructor and destructor</a:t>
+            </a:r>
+          </a:p>
+          <a:p>
             <a:r>
               <a:rPr lang="en-US" sz="2000" dirty="0"/>
-              <a:t>()</a:t>
-            </a:r>
-          </a:p>
-          <a:p>
-            <a:r>
-              <a:rPr lang="en-US" sz="2000" dirty="0"/>
-              <a:t>It's possible to show all friends' posts of a certain user, </a:t>
-            </a:r>
-            <a:r>
-              <a:rPr lang="en-US" sz="2000" i="1" dirty="0"/>
-              <a:t>his/her timeline</a:t>
-            </a:r>
-            <a:r>
-              <a:rPr lang="en-US" sz="2000" dirty="0"/>
-              <a:t>, with </a:t>
-            </a:r>
-            <a:r>
-              <a:rPr lang="en-US" sz="2000" dirty="0" err="1"/>
-              <a:t>show_friends_posts</a:t>
-            </a:r>
-            <a:r>
-              <a:rPr lang="en-US" sz="2000" dirty="0"/>
-              <a:t>()</a:t>
-            </a:r>
-          </a:p>
-          <a:p>
-            <a:r>
-              <a:rPr lang="en-US" sz="2000" dirty="0"/>
-              <a:t>It's possible to check relation between two users</a:t>
+              <a:t>Graph functionality</a:t>
             </a:r>
           </a:p>
           <a:p>
             <a:r>
               <a:rPr lang="en-US" sz="2000" b="1" dirty="0"/>
-              <a:t>section five: Extract trees and graphs</a:t>
-            </a:r>
-          </a:p>
-          <a:p>
-            <a:r>
-              <a:rPr lang="en-US" sz="2000" dirty="0"/>
-              <a:t>This section is interested in finding the shortest path between users and returning sub trees of graphs.</a:t>
-            </a:r>
-            <a:br>
-              <a:rPr lang="en-US" sz="2000" dirty="0"/>
-            </a:br>
-            <a:r>
-              <a:rPr lang="en-US" sz="2000" dirty="0"/>
-              <a:t>This should interface with hashing.py in the future </a:t>
+              <a:t>section two: searching algorithms </a:t>
             </a:r>
             <a:r>
               <a:rPr lang="en-US" sz="2000" i="1" dirty="0">
@@ -6592,7 +6568,7 @@
                   <a:srgbClr val="83992A"/>
                 </a:solidFill>
               </a:rPr>
-              <a:t>To be Done</a:t>
+              <a:t>To Be Done</a:t>
             </a:r>
             <a:endParaRPr lang="en-US" sz="2000" dirty="0">
               <a:solidFill>
@@ -6603,66 +6579,97 @@
           <a:p>
             <a:r>
               <a:rPr lang="en-US" sz="2000" b="1" dirty="0"/>
-              <a:t>section six: Visualization</a:t>
+              <a:t>section three: Posts</a:t>
             </a:r>
           </a:p>
           <a:p>
             <a:r>
               <a:rPr lang="en-US" sz="2000" dirty="0"/>
-              <a:t>This section is </a:t>
-            </a:r>
+              <a:t>One static attribute is Posts, which is a list of Post objects to enable use of all Post methods</a:t>
+            </a:r>
+            <a:br>
+              <a:rPr lang="en-US" sz="2000" dirty="0"/>
+            </a:br>
+            <a:r>
+              <a:rPr lang="en-US" sz="2000" dirty="0"/>
+              <a:t>Also an interface with Comment class through Post class, not directly.</a:t>
+            </a:r>
+            <a:br>
+              <a:rPr lang="en-US" sz="2000" dirty="0"/>
+            </a:br>
+            <a:r>
+              <a:rPr lang="en-US" sz="2000" dirty="0"/>
+              <a:t>But some extra functions are needed here like</a:t>
+            </a:r>
+          </a:p>
+          <a:p>
             <a:r>
               <a:rPr lang="en-US" sz="2000" dirty="0" err="1"/>
-              <a:t>intersted</a:t>
+              <a:t>add_post</a:t>
             </a:r>
             <a:r>
               <a:rPr lang="en-US" sz="2000" dirty="0"/>
-              <a:t> in visualizing graphs of sub-graphs</a:t>
-            </a:r>
-          </a:p>
-          <a:p>
+              <a:t>(self, post, </a:t>
+            </a:r>
             <a:r>
               <a:rPr lang="en-US" sz="2000" dirty="0" err="1"/>
-              <a:t>show_graph</a:t>
+              <a:t>user_id</a:t>
             </a:r>
             <a:r>
               <a:rPr lang="en-US" sz="2000" dirty="0"/>
-              <a:t>(): to give a draw the whole network</a:t>
-            </a:r>
-          </a:p>
-          <a:p>
-            <a:r>
-              <a:rPr lang="en-US" sz="2000" i="1" dirty="0"/>
-              <a:t>Further work needed</a:t>
-            </a:r>
+              <a:t>)</a:t>
+            </a:r>
+            <a:br>
+              <a:rPr lang="en-US" sz="2000" dirty="0"/>
+            </a:br>
+            <a:r>
+              <a:rPr lang="en-US" sz="2000" dirty="0"/>
+              <a:t>to add Post objects to the static Post list in class</a:t>
+            </a:r>
+          </a:p>
+          <a:p>
+            <a:r>
+              <a:rPr lang="en-US" sz="2000" dirty="0" err="1"/>
+              <a:t>get_posts</a:t>
+            </a:r>
+            <a:r>
+              <a:rPr lang="en-US" sz="2000" dirty="0"/>
+              <a:t>(self, </a:t>
+            </a:r>
+            <a:r>
+              <a:rPr lang="en-US" sz="2000" dirty="0" err="1"/>
+              <a:t>user_id</a:t>
+            </a:r>
+            <a:r>
+              <a:rPr lang="en-US" sz="2000" dirty="0"/>
+              <a:t>): to view all posts in the network</a:t>
+            </a:r>
+          </a:p>
+          <a:p>
+            <a:pPr marL="0" indent="0">
+              <a:buNone/>
+            </a:pPr>
             <a:endParaRPr lang="en-US" sz="2000" dirty="0"/>
-          </a:p>
-          <a:p>
-            <a:r>
-              <a:rPr lang="en-US" sz="2000" b="1" dirty="0"/>
-              <a:t>Section Seven: Analysis on the graph </a:t>
-            </a:r>
-            <a:r>
-              <a:rPr lang="en-US" sz="2000" i="1" dirty="0">
-                <a:solidFill>
-                  <a:srgbClr val="83992A"/>
-                </a:solidFill>
-              </a:rPr>
-              <a:t>To be done later</a:t>
-            </a:r>
           </a:p>
         </p:txBody>
       </p:sp>
     </p:spTree>
     <p:extLst>
       <p:ext uri="{BB962C8B-B14F-4D97-AF65-F5344CB8AC3E}">
-        <p14:creationId xmlns:p14="http://schemas.microsoft.com/office/powerpoint/2010/main" val="2405396792"/>
+        <p14:creationId xmlns:p14="http://schemas.microsoft.com/office/powerpoint/2010/main" val="3155458274"/>
       </p:ext>
     </p:extLst>
   </p:cSld>
   <p:clrMapOvr>
     <a:masterClrMapping/>
   </p:clrMapOvr>
+  <p:timing>
+    <p:tnLst>
+      <p:par>
+        <p:cTn id="1" dur="indefinite" restart="never" nodeType="tmRoot"/>
+      </p:par>
+    </p:tnLst>
+  </p:timing>
 </p:sld>
 </file>
 
@@ -6688,7 +6695,7 @@
           <p:cNvPr id="2" name="Title 1">
             <a:extLst>
               <a:ext uri="{FF2B5EF4-FFF2-40B4-BE49-F238E27FC236}">
-                <a16:creationId xmlns:a16="http://schemas.microsoft.com/office/drawing/2014/main" id="{6D72A96A-B2A5-48BE-A4CA-C851561DC79C}"/>
+                <a16:creationId xmlns="" xmlns:a16="http://schemas.microsoft.com/office/drawing/2014/main" id="{6D72A96A-B2A5-48BE-A4CA-C851561DC79C}"/>
               </a:ext>
             </a:extLst>
           </p:cNvPr>
@@ -6713,7 +6720,7 @@
           <a:p>
             <a:r>
               <a:rPr lang="en-US" b="1" dirty="0"/>
-              <a:t>Post.py</a:t>
+              <a:t>Users.py</a:t>
             </a:r>
           </a:p>
         </p:txBody>
@@ -6723,7 +6730,7 @@
           <p:cNvPr id="3" name="Content Placeholder 2">
             <a:extLst>
               <a:ext uri="{FF2B5EF4-FFF2-40B4-BE49-F238E27FC236}">
-                <a16:creationId xmlns:a16="http://schemas.microsoft.com/office/drawing/2014/main" id="{50EE3FCA-68B2-417F-87C2-FDDE1AEE9B73}"/>
+                <a16:creationId xmlns="" xmlns:a16="http://schemas.microsoft.com/office/drawing/2014/main" id="{50EE3FCA-68B2-417F-87C2-FDDE1AEE9B73}"/>
               </a:ext>
             </a:extLst>
           </p:cNvPr>
@@ -6737,125 +6744,149 @@
         <p:spPr>
           <a:xfrm>
             <a:off x="1295402" y="2453949"/>
-            <a:ext cx="9601196" cy="3984173"/>
+            <a:ext cx="9601196" cy="3788231"/>
           </a:xfrm>
         </p:spPr>
         <p:txBody>
           <a:bodyPr>
-            <a:normAutofit fontScale="62500" lnSpcReduction="20000"/>
+            <a:normAutofit fontScale="70000" lnSpcReduction="20000"/>
           </a:bodyPr>
           <a:lstStyle/>
           <a:p>
             <a:r>
               <a:rPr lang="en-US" sz="2000" b="1" dirty="0"/>
-              <a:t>Each post have some attributes:</a:t>
+              <a:t>section four: Operation on a group</a:t>
             </a:r>
           </a:p>
           <a:p>
             <a:r>
               <a:rPr lang="en-US" sz="2000" dirty="0"/>
-              <a:t>a string representing the post text</a:t>
-            </a:r>
-          </a:p>
-          <a:p>
+              <a:t>This section mainly is interested in relations between users, sending requests and accepting them or rejecting them</a:t>
+            </a:r>
+          </a:p>
+          <a:p>
+            <a:r>
+              <a:rPr lang="en-US" sz="2000" dirty="0"/>
+              <a:t>It's also possible to show all friends of a certain user with </a:t>
+            </a:r>
             <a:r>
               <a:rPr lang="en-US" sz="2000" dirty="0" err="1"/>
-              <a:t>user_id</a:t>
+              <a:t>show_friends</a:t>
             </a:r>
             <a:r>
               <a:rPr lang="en-US" sz="2000" dirty="0"/>
-              <a:t>: </a:t>
-            </a:r>
-            <a:r>
-              <a:rPr lang="en-US" sz="2000" dirty="0">
+              <a:t>()</a:t>
+            </a:r>
+          </a:p>
+          <a:p>
+            <a:r>
+              <a:rPr lang="en-US" sz="2000" dirty="0"/>
+              <a:t>It's possible to show all friends' posts of a certain user, </a:t>
+            </a:r>
+            <a:r>
+              <a:rPr lang="en-US" sz="2000" i="1" dirty="0"/>
+              <a:t>his/her timeline</a:t>
+            </a:r>
+            <a:r>
+              <a:rPr lang="en-US" sz="2000" dirty="0"/>
+              <a:t>, with </a:t>
+            </a:r>
+            <a:r>
+              <a:rPr lang="en-US" sz="2000" dirty="0" err="1"/>
+              <a:t>show_friends_posts</a:t>
+            </a:r>
+            <a:r>
+              <a:rPr lang="en-US" sz="2000" dirty="0"/>
+              <a:t>()</a:t>
+            </a:r>
+          </a:p>
+          <a:p>
+            <a:r>
+              <a:rPr lang="en-US" sz="2000" dirty="0"/>
+              <a:t>It's possible to check relation between two users</a:t>
+            </a:r>
+          </a:p>
+          <a:p>
+            <a:r>
+              <a:rPr lang="en-US" sz="2000" b="1" dirty="0"/>
+              <a:t>section five: Extract trees and graphs</a:t>
+            </a:r>
+          </a:p>
+          <a:p>
+            <a:r>
+              <a:rPr lang="en-US" sz="2000" dirty="0"/>
+              <a:t>This section is interested in finding the shortest path between users and returning sub trees of graphs.</a:t>
+            </a:r>
+            <a:br>
+              <a:rPr lang="en-US" sz="2000" dirty="0"/>
+            </a:br>
+            <a:r>
+              <a:rPr lang="en-US" sz="2000" dirty="0"/>
+              <a:t>This should interface with hashing.py in the future </a:t>
+            </a:r>
+            <a:r>
+              <a:rPr lang="en-US" sz="2000" i="1" dirty="0">
                 <a:solidFill>
                   <a:srgbClr val="83992A"/>
                 </a:solidFill>
               </a:rPr>
-              <a:t>the unique ID of the user who wrote the post</a:t>
-            </a:r>
-          </a:p>
-          <a:p>
+              <a:t>To be Done</a:t>
+            </a:r>
+            <a:endParaRPr lang="en-US" sz="2000" dirty="0">
+              <a:solidFill>
+                <a:srgbClr val="83992A"/>
+              </a:solidFill>
+            </a:endParaRPr>
+          </a:p>
+          <a:p>
+            <a:r>
+              <a:rPr lang="en-US" sz="2000" b="1" dirty="0"/>
+              <a:t>section six: Visualization</a:t>
+            </a:r>
+          </a:p>
+          <a:p>
+            <a:r>
+              <a:rPr lang="en-US" sz="2000" dirty="0"/>
+              <a:t>This section is </a:t>
+            </a:r>
             <a:r>
               <a:rPr lang="en-US" sz="2000" dirty="0" err="1"/>
-              <a:t>post_id</a:t>
+              <a:t>intersted</a:t>
             </a:r>
             <a:r>
               <a:rPr lang="en-US" sz="2000" dirty="0"/>
-              <a:t>: </a:t>
-            </a:r>
-            <a:r>
-              <a:rPr lang="en-US" sz="2000" dirty="0">
+              <a:t> in visualizing graphs of sub-graphs</a:t>
+            </a:r>
+          </a:p>
+          <a:p>
+            <a:r>
+              <a:rPr lang="en-US" sz="2000" dirty="0" err="1"/>
+              <a:t>show_graph</a:t>
+            </a:r>
+            <a:r>
+              <a:rPr lang="en-US" sz="2000" dirty="0"/>
+              <a:t>(): to give a draw the whole network</a:t>
+            </a:r>
+          </a:p>
+          <a:p>
+            <a:r>
+              <a:rPr lang="en-US" sz="2000" i="1" dirty="0"/>
+              <a:t>Further work needed</a:t>
+            </a:r>
+            <a:endParaRPr lang="en-US" sz="2000" dirty="0"/>
+          </a:p>
+          <a:p>
+            <a:r>
+              <a:rPr lang="en-US" sz="2000" b="1" dirty="0"/>
+              <a:t>Section Seven: Analysis on the graph </a:t>
+            </a:r>
+            <a:r>
+              <a:rPr lang="en-US" sz="2000" i="1" dirty="0">
                 <a:solidFill>
                   <a:srgbClr val="83992A"/>
                 </a:solidFill>
               </a:rPr>
-              <a:t>a unique post ID to access it</a:t>
-            </a:r>
-          </a:p>
-          <a:p>
-            <a:r>
-              <a:rPr lang="en-US" sz="2000" dirty="0"/>
-              <a:t>the exact date and time when the post written</a:t>
-            </a:r>
-          </a:p>
-          <a:p>
-            <a:r>
-              <a:rPr lang="en-US" sz="2000" dirty="0"/>
-              <a:t>a list of comments objects</a:t>
-            </a:r>
-          </a:p>
-          <a:p>
-            <a:r>
-              <a:rPr lang="en-US" sz="2000" dirty="0"/>
-              <a:t>each comment have the same attributes as the post</a:t>
-            </a:r>
-          </a:p>
-          <a:p>
-            <a:r>
-              <a:rPr lang="en-US" sz="2000" b="1" dirty="0"/>
-              <a:t>Also contains some methods:</a:t>
-            </a:r>
-          </a:p>
-          <a:p>
-            <a:r>
-              <a:rPr lang="en-US" sz="2000" dirty="0"/>
-              <a:t>setters and getters for the </a:t>
-            </a:r>
-            <a:r>
-              <a:rPr lang="en-US" sz="2000" dirty="0" err="1"/>
-              <a:t>attirbutes</a:t>
-            </a:r>
-            <a:endParaRPr lang="en-US" sz="2000" dirty="0"/>
-          </a:p>
-          <a:p>
-            <a:r>
-              <a:rPr lang="en-US" sz="2000" dirty="0"/>
-              <a:t>delete post</a:t>
-            </a:r>
-          </a:p>
-          <a:p>
-            <a:r>
-              <a:rPr lang="en-US" sz="2000" dirty="0"/>
-              <a:t>edit the post text</a:t>
-            </a:r>
-          </a:p>
-          <a:p>
-            <a:r>
-              <a:rPr lang="en-US" sz="2000" dirty="0"/>
-              <a:t>delete comment</a:t>
-            </a:r>
-          </a:p>
-          <a:p>
-            <a:r>
-              <a:rPr lang="en-US" sz="2000" dirty="0"/>
-              <a:t>edit comment</a:t>
-            </a:r>
-          </a:p>
-          <a:p>
-            <a:r>
-              <a:rPr lang="en-US" sz="2000" dirty="0"/>
-              <a:t>post view to show the post and its comment contents</a:t>
+              <a:t>To be done later</a:t>
             </a:r>
           </a:p>
         </p:txBody>
@@ -6863,13 +6894,20 @@
     </p:spTree>
     <p:extLst>
       <p:ext uri="{BB962C8B-B14F-4D97-AF65-F5344CB8AC3E}">
-        <p14:creationId xmlns:p14="http://schemas.microsoft.com/office/powerpoint/2010/main" val="3149013665"/>
+        <p14:creationId xmlns:p14="http://schemas.microsoft.com/office/powerpoint/2010/main" val="2405396792"/>
       </p:ext>
     </p:extLst>
   </p:cSld>
   <p:clrMapOvr>
     <a:masterClrMapping/>
   </p:clrMapOvr>
+  <p:timing>
+    <p:tnLst>
+      <p:par>
+        <p:cTn id="1" dur="indefinite" restart="never" nodeType="tmRoot"/>
+      </p:par>
+    </p:tnLst>
+  </p:timing>
 </p:sld>
 </file>
 
@@ -6895,7 +6933,7 @@
           <p:cNvPr id="2" name="Title 1">
             <a:extLst>
               <a:ext uri="{FF2B5EF4-FFF2-40B4-BE49-F238E27FC236}">
-                <a16:creationId xmlns:a16="http://schemas.microsoft.com/office/drawing/2014/main" id="{6D72A96A-B2A5-48BE-A4CA-C851561DC79C}"/>
+                <a16:creationId xmlns="" xmlns:a16="http://schemas.microsoft.com/office/drawing/2014/main" id="{6D72A96A-B2A5-48BE-A4CA-C851561DC79C}"/>
               </a:ext>
             </a:extLst>
           </p:cNvPr>
@@ -6920,7 +6958,7 @@
           <a:p>
             <a:r>
               <a:rPr lang="en-US" b="1" dirty="0"/>
-              <a:t>LoadSave.py</a:t>
+              <a:t>Post.py</a:t>
             </a:r>
           </a:p>
         </p:txBody>
@@ -6930,7 +6968,7 @@
           <p:cNvPr id="3" name="Content Placeholder 2">
             <a:extLst>
               <a:ext uri="{FF2B5EF4-FFF2-40B4-BE49-F238E27FC236}">
-                <a16:creationId xmlns:a16="http://schemas.microsoft.com/office/drawing/2014/main" id="{50EE3FCA-68B2-417F-87C2-FDDE1AEE9B73}"/>
+                <a16:creationId xmlns="" xmlns:a16="http://schemas.microsoft.com/office/drawing/2014/main" id="{50EE3FCA-68B2-417F-87C2-FDDE1AEE9B73}"/>
               </a:ext>
             </a:extLst>
           </p:cNvPr>
@@ -6949,31 +6987,120 @@
         </p:spPr>
         <p:txBody>
           <a:bodyPr>
-            <a:normAutofit/>
+            <a:normAutofit fontScale="62500" lnSpcReduction="20000"/>
           </a:bodyPr>
           <a:lstStyle/>
           <a:p>
             <a:r>
               <a:rPr lang="en-US" sz="2000" b="1" dirty="0"/>
-              <a:t>The Save function</a:t>
+              <a:t>Each post have some attributes:</a:t>
             </a:r>
           </a:p>
           <a:p>
             <a:r>
               <a:rPr lang="en-US" sz="2000" dirty="0"/>
-              <a:t>Our network system relays on a graph containing all the users of the system connected together, this function take all the users data and attributes like name, age, gender, posts, comments,.. etc. and save it in a dictionary within a json file to use it another time.</a:t>
+              <a:t>a string representing the post text</a:t>
+            </a:r>
+          </a:p>
+          <a:p>
+            <a:r>
+              <a:rPr lang="en-US" sz="2000" dirty="0" err="1"/>
+              <a:t>user_id</a:t>
+            </a:r>
+            <a:r>
+              <a:rPr lang="en-US" sz="2000" dirty="0"/>
+              <a:t>: </a:t>
+            </a:r>
+            <a:r>
+              <a:rPr lang="en-US" sz="2000" dirty="0">
+                <a:solidFill>
+                  <a:srgbClr val="83992A"/>
+                </a:solidFill>
+              </a:rPr>
+              <a:t>the unique ID of the user who wrote the post</a:t>
+            </a:r>
+          </a:p>
+          <a:p>
+            <a:r>
+              <a:rPr lang="en-US" sz="2000" dirty="0" err="1"/>
+              <a:t>post_id</a:t>
+            </a:r>
+            <a:r>
+              <a:rPr lang="en-US" sz="2000" dirty="0"/>
+              <a:t>: </a:t>
+            </a:r>
+            <a:r>
+              <a:rPr lang="en-US" sz="2000" dirty="0">
+                <a:solidFill>
+                  <a:srgbClr val="83992A"/>
+                </a:solidFill>
+              </a:rPr>
+              <a:t>a unique post ID to access it</a:t>
+            </a:r>
+          </a:p>
+          <a:p>
+            <a:r>
+              <a:rPr lang="en-US" sz="2000" dirty="0"/>
+              <a:t>the exact date and time when the post written</a:t>
+            </a:r>
+          </a:p>
+          <a:p>
+            <a:r>
+              <a:rPr lang="en-US" sz="2000" dirty="0"/>
+              <a:t>a list of comments objects</a:t>
+            </a:r>
+          </a:p>
+          <a:p>
+            <a:r>
+              <a:rPr lang="en-US" sz="2000" dirty="0"/>
+              <a:t>each comment have the same attributes as the post</a:t>
             </a:r>
           </a:p>
           <a:p>
             <a:r>
               <a:rPr lang="en-US" sz="2000" b="1" dirty="0"/>
-              <a:t>The Load function</a:t>
+              <a:t>Also contains some methods:</a:t>
             </a:r>
           </a:p>
           <a:p>
             <a:r>
               <a:rPr lang="en-US" sz="2000" dirty="0"/>
-              <a:t>it takes back the saved data from the json file. like all the users and their connections and data. and load it into its suitable data structure to become usable.</a:t>
+              <a:t>setters and getters for the </a:t>
+            </a:r>
+            <a:r>
+              <a:rPr lang="en-US" sz="2000" dirty="0" err="1"/>
+              <a:t>attirbutes</a:t>
+            </a:r>
+            <a:endParaRPr lang="en-US" sz="2000" dirty="0"/>
+          </a:p>
+          <a:p>
+            <a:r>
+              <a:rPr lang="en-US" sz="2000" dirty="0"/>
+              <a:t>delete post</a:t>
+            </a:r>
+          </a:p>
+          <a:p>
+            <a:r>
+              <a:rPr lang="en-US" sz="2000" dirty="0"/>
+              <a:t>edit the post text</a:t>
+            </a:r>
+          </a:p>
+          <a:p>
+            <a:r>
+              <a:rPr lang="en-US" sz="2000" dirty="0"/>
+              <a:t>delete comment</a:t>
+            </a:r>
+          </a:p>
+          <a:p>
+            <a:r>
+              <a:rPr lang="en-US" sz="2000" dirty="0"/>
+              <a:t>edit comment</a:t>
+            </a:r>
+          </a:p>
+          <a:p>
+            <a:r>
+              <a:rPr lang="en-US" sz="2000" dirty="0"/>
+              <a:t>post view to show the post and its comment contents</a:t>
             </a:r>
           </a:p>
         </p:txBody>
@@ -6981,13 +7108,20 @@
     </p:spTree>
     <p:extLst>
       <p:ext uri="{BB962C8B-B14F-4D97-AF65-F5344CB8AC3E}">
-        <p14:creationId xmlns:p14="http://schemas.microsoft.com/office/powerpoint/2010/main" val="3136300747"/>
+        <p14:creationId xmlns:p14="http://schemas.microsoft.com/office/powerpoint/2010/main" val="3149013665"/>
       </p:ext>
     </p:extLst>
   </p:cSld>
   <p:clrMapOvr>
     <a:masterClrMapping/>
   </p:clrMapOvr>
+  <p:timing>
+    <p:tnLst>
+      <p:par>
+        <p:cTn id="1" dur="indefinite" restart="never" nodeType="tmRoot"/>
+      </p:par>
+    </p:tnLst>
+  </p:timing>
 </p:sld>
 </file>
 
@@ -7010,10 +7144,135 @@
       </p:grpSpPr>
       <p:sp>
         <p:nvSpPr>
+          <p:cNvPr id="2" name="Title 1">
+            <a:extLst>
+              <a:ext uri="{FF2B5EF4-FFF2-40B4-BE49-F238E27FC236}">
+                <a16:creationId xmlns="" xmlns:a16="http://schemas.microsoft.com/office/drawing/2014/main" id="{6D72A96A-B2A5-48BE-A4CA-C851561DC79C}"/>
+              </a:ext>
+            </a:extLst>
+          </p:cNvPr>
+          <p:cNvSpPr>
+            <a:spLocks noGrp="1"/>
+          </p:cNvSpPr>
+          <p:nvPr>
+            <p:ph type="title"/>
+          </p:nvPr>
+        </p:nvSpPr>
+        <p:spPr>
+          <a:xfrm>
+            <a:off x="1071467" y="1084769"/>
+            <a:ext cx="9601196" cy="1303867"/>
+          </a:xfrm>
+        </p:spPr>
+        <p:txBody>
+          <a:bodyPr>
+            <a:normAutofit/>
+          </a:bodyPr>
+          <a:lstStyle/>
+          <a:p>
+            <a:r>
+              <a:rPr lang="en-US" b="1" dirty="0"/>
+              <a:t>LoadSave.py</a:t>
+            </a:r>
+          </a:p>
+        </p:txBody>
+      </p:sp>
+      <p:sp>
+        <p:nvSpPr>
+          <p:cNvPr id="3" name="Content Placeholder 2">
+            <a:extLst>
+              <a:ext uri="{FF2B5EF4-FFF2-40B4-BE49-F238E27FC236}">
+                <a16:creationId xmlns="" xmlns:a16="http://schemas.microsoft.com/office/drawing/2014/main" id="{50EE3FCA-68B2-417F-87C2-FDDE1AEE9B73}"/>
+              </a:ext>
+            </a:extLst>
+          </p:cNvPr>
+          <p:cNvSpPr>
+            <a:spLocks noGrp="1"/>
+          </p:cNvSpPr>
+          <p:nvPr>
+            <p:ph idx="1"/>
+          </p:nvPr>
+        </p:nvSpPr>
+        <p:spPr>
+          <a:xfrm>
+            <a:off x="1295402" y="2453949"/>
+            <a:ext cx="9601196" cy="3984173"/>
+          </a:xfrm>
+        </p:spPr>
+        <p:txBody>
+          <a:bodyPr>
+            <a:normAutofit/>
+          </a:bodyPr>
+          <a:lstStyle/>
+          <a:p>
+            <a:r>
+              <a:rPr lang="en-US" sz="2000" b="1" dirty="0"/>
+              <a:t>The Save function</a:t>
+            </a:r>
+          </a:p>
+          <a:p>
+            <a:r>
+              <a:rPr lang="en-US" sz="2000" dirty="0"/>
+              <a:t>Our network system relays on a graph containing all the users of the system connected together, this function take all the users data and attributes like name, age, gender, posts, comments,.. etc. and save it in a dictionary within a json file to use it another time.</a:t>
+            </a:r>
+          </a:p>
+          <a:p>
+            <a:r>
+              <a:rPr lang="en-US" sz="2000" b="1" dirty="0"/>
+              <a:t>The Load function</a:t>
+            </a:r>
+          </a:p>
+          <a:p>
+            <a:r>
+              <a:rPr lang="en-US" sz="2000" dirty="0"/>
+              <a:t>it takes back the saved data from the json file. like all the users and their connections and data. and load it into its suitable data structure to become usable.</a:t>
+            </a:r>
+          </a:p>
+        </p:txBody>
+      </p:sp>
+    </p:spTree>
+    <p:extLst>
+      <p:ext uri="{BB962C8B-B14F-4D97-AF65-F5344CB8AC3E}">
+        <p14:creationId xmlns:p14="http://schemas.microsoft.com/office/powerpoint/2010/main" val="3136300747"/>
+      </p:ext>
+    </p:extLst>
+  </p:cSld>
+  <p:clrMapOvr>
+    <a:masterClrMapping/>
+  </p:clrMapOvr>
+  <p:timing>
+    <p:tnLst>
+      <p:par>
+        <p:cTn id="1" dur="indefinite" restart="never" nodeType="tmRoot"/>
+      </p:par>
+    </p:tnLst>
+  </p:timing>
+</p:sld>
+</file>
+
+<file path=ppt/slides/slide14.xml><?xml version="1.0" encoding="utf-8"?>
+<p:sld xmlns:a="http://schemas.openxmlformats.org/drawingml/2006/main" xmlns:r="http://schemas.openxmlformats.org/officeDocument/2006/relationships" xmlns:p="http://schemas.openxmlformats.org/presentationml/2006/main">
+  <p:cSld>
+    <p:spTree>
+      <p:nvGrpSpPr>
+        <p:cNvPr id="1" name=""/>
+        <p:cNvGrpSpPr/>
+        <p:nvPr/>
+      </p:nvGrpSpPr>
+      <p:grpSpPr>
+        <a:xfrm>
+          <a:off x="0" y="0"/>
+          <a:ext cx="0" cy="0"/>
+          <a:chOff x="0" y="0"/>
+          <a:chExt cx="0" cy="0"/>
+        </a:xfrm>
+      </p:grpSpPr>
+      <p:sp>
+        <p:nvSpPr>
           <p:cNvPr id="5" name="TextBox 4">
             <a:extLst>
               <a:ext uri="{FF2B5EF4-FFF2-40B4-BE49-F238E27FC236}">
-                <a16:creationId xmlns:a16="http://schemas.microsoft.com/office/drawing/2014/main" id="{8F721998-0DCB-4BF5-8904-11560EA24EBB}"/>
+                <a16:creationId xmlns="" xmlns:a16="http://schemas.microsoft.com/office/drawing/2014/main" id="{8F721998-0DCB-4BF5-8904-11560EA24EBB}"/>
               </a:ext>
             </a:extLst>
           </p:cNvPr>
@@ -7107,10 +7366,17 @@
   <p:clrMapOvr>
     <a:masterClrMapping/>
   </p:clrMapOvr>
+  <p:timing>
+    <p:tnLst>
+      <p:par>
+        <p:cTn id="1" dur="indefinite" restart="never" nodeType="tmRoot"/>
+      </p:par>
+    </p:tnLst>
+  </p:timing>
 </p:sld>
 </file>
 
-<file path=ppt/slides/slide14.xml><?xml version="1.0" encoding="utf-8"?>
+<file path=ppt/slides/slide15.xml><?xml version="1.0" encoding="utf-8"?>
 <p:sld xmlns:a="http://schemas.openxmlformats.org/drawingml/2006/main" xmlns:r="http://schemas.openxmlformats.org/officeDocument/2006/relationships" xmlns:p="http://schemas.openxmlformats.org/presentationml/2006/main">
   <p:cSld>
     <p:spTree>
@@ -7132,7 +7398,7 @@
           <p:cNvPr id="2" name="Title 1">
             <a:extLst>
               <a:ext uri="{FF2B5EF4-FFF2-40B4-BE49-F238E27FC236}">
-                <a16:creationId xmlns:a16="http://schemas.microsoft.com/office/drawing/2014/main" id="{E7E84840-921B-4A63-B860-BF3C574C6D21}"/>
+                <a16:creationId xmlns="" xmlns:a16="http://schemas.microsoft.com/office/drawing/2014/main" id="{E7E84840-921B-4A63-B860-BF3C574C6D21}"/>
               </a:ext>
             </a:extLst>
           </p:cNvPr>
@@ -7205,7 +7471,7 @@
           <p:cNvPr id="3" name="Content Placeholder 2">
             <a:extLst>
               <a:ext uri="{FF2B5EF4-FFF2-40B4-BE49-F238E27FC236}">
-                <a16:creationId xmlns:a16="http://schemas.microsoft.com/office/drawing/2014/main" id="{79D5F977-4C90-4123-9B8F-6D5815E5092D}"/>
+                <a16:creationId xmlns="" xmlns:a16="http://schemas.microsoft.com/office/drawing/2014/main" id="{79D5F977-4C90-4123-9B8F-6D5815E5092D}"/>
               </a:ext>
             </a:extLst>
           </p:cNvPr>
@@ -7230,7 +7496,7 @@
           <p:cNvPr id="4" name="Picture 3">
             <a:extLst>
               <a:ext uri="{FF2B5EF4-FFF2-40B4-BE49-F238E27FC236}">
-                <a16:creationId xmlns:a16="http://schemas.microsoft.com/office/drawing/2014/main" id="{7332FAEC-AEFC-4E37-A79F-E49E9F149774}"/>
+                <a16:creationId xmlns="" xmlns:a16="http://schemas.microsoft.com/office/drawing/2014/main" id="{7332FAEC-AEFC-4E37-A79F-E49E9F149774}"/>
               </a:ext>
             </a:extLst>
           </p:cNvPr>
@@ -7289,7 +7555,7 @@
           <p:cNvPr id="5" name="TextBox 4">
             <a:extLst>
               <a:ext uri="{FF2B5EF4-FFF2-40B4-BE49-F238E27FC236}">
-                <a16:creationId xmlns:a16="http://schemas.microsoft.com/office/drawing/2014/main" id="{7D9B018D-22DD-406C-9FD2-C9F9260FC2DA}"/>
+                <a16:creationId xmlns="" xmlns:a16="http://schemas.microsoft.com/office/drawing/2014/main" id="{7D9B018D-22DD-406C-9FD2-C9F9260FC2DA}"/>
               </a:ext>
             </a:extLst>
           </p:cNvPr>
@@ -7353,10 +7619,17 @@
   <p:clrMapOvr>
     <a:masterClrMapping/>
   </p:clrMapOvr>
+  <p:timing>
+    <p:tnLst>
+      <p:par>
+        <p:cTn id="1" dur="indefinite" restart="never" nodeType="tmRoot"/>
+      </p:par>
+    </p:tnLst>
+  </p:timing>
 </p:sld>
 </file>
 
-<file path=ppt/slides/slide15.xml><?xml version="1.0" encoding="utf-8"?>
+<file path=ppt/slides/slide16.xml><?xml version="1.0" encoding="utf-8"?>
 <p:sld xmlns:a="http://schemas.openxmlformats.org/drawingml/2006/main" xmlns:r="http://schemas.openxmlformats.org/officeDocument/2006/relationships" xmlns:p="http://schemas.openxmlformats.org/presentationml/2006/main">
   <p:cSld>
     <p:spTree>
@@ -7378,7 +7651,7 @@
           <p:cNvPr id="4" name="Content Placeholder 3">
             <a:extLst>
               <a:ext uri="{FF2B5EF4-FFF2-40B4-BE49-F238E27FC236}">
-                <a16:creationId xmlns:a16="http://schemas.microsoft.com/office/drawing/2014/main" id="{AC910B1C-FA2C-41A1-B3FD-7A3DEA4F934E}"/>
+                <a16:creationId xmlns="" xmlns:a16="http://schemas.microsoft.com/office/drawing/2014/main" id="{AC910B1C-FA2C-41A1-B3FD-7A3DEA4F934E}"/>
               </a:ext>
             </a:extLst>
           </p:cNvPr>
@@ -7416,7 +7689,7 @@
           <p:cNvPr id="5" name="TextBox 4">
             <a:extLst>
               <a:ext uri="{FF2B5EF4-FFF2-40B4-BE49-F238E27FC236}">
-                <a16:creationId xmlns:a16="http://schemas.microsoft.com/office/drawing/2014/main" id="{2B7BC314-B516-4299-BA80-721D305F8233}"/>
+                <a16:creationId xmlns="" xmlns:a16="http://schemas.microsoft.com/office/drawing/2014/main" id="{2B7BC314-B516-4299-BA80-721D305F8233}"/>
               </a:ext>
             </a:extLst>
           </p:cNvPr>
@@ -7480,10 +7753,17 @@
   <p:clrMapOvr>
     <a:masterClrMapping/>
   </p:clrMapOvr>
+  <p:timing>
+    <p:tnLst>
+      <p:par>
+        <p:cTn id="1" dur="indefinite" restart="never" nodeType="tmRoot"/>
+      </p:par>
+    </p:tnLst>
+  </p:timing>
 </p:sld>
 </file>
 
-<file path=ppt/slides/slide16.xml><?xml version="1.0" encoding="utf-8"?>
+<file path=ppt/slides/slide17.xml><?xml version="1.0" encoding="utf-8"?>
 <p:sld xmlns:a="http://schemas.openxmlformats.org/drawingml/2006/main" xmlns:r="http://schemas.openxmlformats.org/officeDocument/2006/relationships" xmlns:p="http://schemas.openxmlformats.org/presentationml/2006/main">
   <p:cSld>
     <p:spTree>
@@ -7505,7 +7785,7 @@
           <p:cNvPr id="3" name="Content Placeholder 2">
             <a:extLst>
               <a:ext uri="{FF2B5EF4-FFF2-40B4-BE49-F238E27FC236}">
-                <a16:creationId xmlns:a16="http://schemas.microsoft.com/office/drawing/2014/main" id="{DBDF389B-E877-4301-A956-E5F289258538}"/>
+                <a16:creationId xmlns="" xmlns:a16="http://schemas.microsoft.com/office/drawing/2014/main" id="{DBDF389B-E877-4301-A956-E5F289258538}"/>
               </a:ext>
             </a:extLst>
           </p:cNvPr>
@@ -7625,7 +7905,7 @@
           <p:cNvPr id="4" name="TextBox 3">
             <a:extLst>
               <a:ext uri="{FF2B5EF4-FFF2-40B4-BE49-F238E27FC236}">
-                <a16:creationId xmlns:a16="http://schemas.microsoft.com/office/drawing/2014/main" id="{4339491B-7601-45EA-820C-866DCDFF9841}"/>
+                <a16:creationId xmlns="" xmlns:a16="http://schemas.microsoft.com/office/drawing/2014/main" id="{4339491B-7601-45EA-820C-866DCDFF9841}"/>
               </a:ext>
             </a:extLst>
           </p:cNvPr>
@@ -7689,10 +7969,17 @@
   <p:clrMapOvr>
     <a:masterClrMapping/>
   </p:clrMapOvr>
+  <p:timing>
+    <p:tnLst>
+      <p:par>
+        <p:cTn id="1" dur="indefinite" restart="never" nodeType="tmRoot"/>
+      </p:par>
+    </p:tnLst>
+  </p:timing>
 </p:sld>
 </file>
 
-<file path=ppt/slides/slide17.xml><?xml version="1.0" encoding="utf-8"?>
+<file path=ppt/slides/slide18.xml><?xml version="1.0" encoding="utf-8"?>
 <p:sld xmlns:a="http://schemas.openxmlformats.org/drawingml/2006/main" xmlns:r="http://schemas.openxmlformats.org/officeDocument/2006/relationships" xmlns:p="http://schemas.openxmlformats.org/presentationml/2006/main">
   <p:cSld>
     <p:spTree>
@@ -7714,7 +8001,7 @@
           <p:cNvPr id="3" name="Content Placeholder 2">
             <a:extLst>
               <a:ext uri="{FF2B5EF4-FFF2-40B4-BE49-F238E27FC236}">
-                <a16:creationId xmlns:a16="http://schemas.microsoft.com/office/drawing/2014/main" id="{DBDF389B-E877-4301-A956-E5F289258538}"/>
+                <a16:creationId xmlns="" xmlns:a16="http://schemas.microsoft.com/office/drawing/2014/main" id="{DBDF389B-E877-4301-A956-E5F289258538}"/>
               </a:ext>
             </a:extLst>
           </p:cNvPr>
@@ -7780,7 +8067,7 @@
           <p:cNvPr id="4" name="TextBox 3">
             <a:extLst>
               <a:ext uri="{FF2B5EF4-FFF2-40B4-BE49-F238E27FC236}">
-                <a16:creationId xmlns:a16="http://schemas.microsoft.com/office/drawing/2014/main" id="{4339491B-7601-45EA-820C-866DCDFF9841}"/>
+                <a16:creationId xmlns="" xmlns:a16="http://schemas.microsoft.com/office/drawing/2014/main" id="{4339491B-7601-45EA-820C-866DCDFF9841}"/>
               </a:ext>
             </a:extLst>
           </p:cNvPr>
@@ -7844,10 +8131,17 @@
   <p:clrMapOvr>
     <a:masterClrMapping/>
   </p:clrMapOvr>
+  <p:timing>
+    <p:tnLst>
+      <p:par>
+        <p:cTn id="1" dur="indefinite" restart="never" nodeType="tmRoot"/>
+      </p:par>
+    </p:tnLst>
+  </p:timing>
 </p:sld>
 </file>
 
-<file path=ppt/slides/slide18.xml><?xml version="1.0" encoding="utf-8"?>
+<file path=ppt/slides/slide19.xml><?xml version="1.0" encoding="utf-8"?>
 <p:sld xmlns:a="http://schemas.openxmlformats.org/drawingml/2006/main" xmlns:r="http://schemas.openxmlformats.org/officeDocument/2006/relationships" xmlns:p="http://schemas.openxmlformats.org/presentationml/2006/main">
   <p:cSld>
     <p:spTree>
@@ -7869,7 +8163,7 @@
           <p:cNvPr id="3" name="Content Placeholder 2">
             <a:extLst>
               <a:ext uri="{FF2B5EF4-FFF2-40B4-BE49-F238E27FC236}">
-                <a16:creationId xmlns:a16="http://schemas.microsoft.com/office/drawing/2014/main" id="{DBDF389B-E877-4301-A956-E5F289258538}"/>
+                <a16:creationId xmlns="" xmlns:a16="http://schemas.microsoft.com/office/drawing/2014/main" id="{DBDF389B-E877-4301-A956-E5F289258538}"/>
               </a:ext>
             </a:extLst>
           </p:cNvPr>
@@ -7935,7 +8229,7 @@
           <p:cNvPr id="4" name="TextBox 3">
             <a:extLst>
               <a:ext uri="{FF2B5EF4-FFF2-40B4-BE49-F238E27FC236}">
-                <a16:creationId xmlns:a16="http://schemas.microsoft.com/office/drawing/2014/main" id="{4339491B-7601-45EA-820C-866DCDFF9841}"/>
+                <a16:creationId xmlns="" xmlns:a16="http://schemas.microsoft.com/office/drawing/2014/main" id="{4339491B-7601-45EA-820C-866DCDFF9841}"/>
               </a:ext>
             </a:extLst>
           </p:cNvPr>
@@ -7999,394 +8293,13 @@
   <p:clrMapOvr>
     <a:masterClrMapping/>
   </p:clrMapOvr>
-</p:sld>
-</file>
-
-<file path=ppt/slides/slide19.xml><?xml version="1.0" encoding="utf-8"?>
-<p:sld xmlns:a="http://schemas.openxmlformats.org/drawingml/2006/main" xmlns:r="http://schemas.openxmlformats.org/officeDocument/2006/relationships" xmlns:p="http://schemas.openxmlformats.org/presentationml/2006/main">
-  <p:cSld>
-    <p:spTree>
-      <p:nvGrpSpPr>
-        <p:cNvPr id="1" name=""/>
-        <p:cNvGrpSpPr/>
-        <p:nvPr/>
-      </p:nvGrpSpPr>
-      <p:grpSpPr>
-        <a:xfrm>
-          <a:off x="0" y="0"/>
-          <a:ext cx="0" cy="0"/>
-          <a:chOff x="0" y="0"/>
-          <a:chExt cx="0" cy="0"/>
-        </a:xfrm>
-      </p:grpSpPr>
-      <p:sp>
-        <p:nvSpPr>
-          <p:cNvPr id="2" name="Title 1">
-            <a:extLst>
-              <a:ext uri="{FF2B5EF4-FFF2-40B4-BE49-F238E27FC236}">
-                <a16:creationId xmlns:a16="http://schemas.microsoft.com/office/drawing/2014/main" id="{6D72A96A-B2A5-48BE-A4CA-C851561DC79C}"/>
-              </a:ext>
-            </a:extLst>
-          </p:cNvPr>
-          <p:cNvSpPr>
-            <a:spLocks noGrp="1"/>
-          </p:cNvSpPr>
-          <p:nvPr>
-            <p:ph type="title"/>
-          </p:nvPr>
-        </p:nvSpPr>
-        <p:spPr>
-          <a:xfrm>
-            <a:off x="1071467" y="1084769"/>
-            <a:ext cx="9601196" cy="1303867"/>
-          </a:xfrm>
-        </p:spPr>
-        <p:txBody>
-          <a:bodyPr>
-            <a:normAutofit/>
-          </a:bodyPr>
-          <a:lstStyle/>
-          <a:p>
-            <a:r>
-              <a:rPr lang="en-US" b="1" dirty="0"/>
-              <a:t>hashing.py</a:t>
-            </a:r>
-            <a:r>
-              <a:rPr lang="en-US" dirty="0"/>
-              <a:t> </a:t>
-            </a:r>
-          </a:p>
-        </p:txBody>
-      </p:sp>
-      <p:sp>
-        <p:nvSpPr>
-          <p:cNvPr id="3" name="Content Placeholder 2">
-            <a:extLst>
-              <a:ext uri="{FF2B5EF4-FFF2-40B4-BE49-F238E27FC236}">
-                <a16:creationId xmlns:a16="http://schemas.microsoft.com/office/drawing/2014/main" id="{50EE3FCA-68B2-417F-87C2-FDDE1AEE9B73}"/>
-              </a:ext>
-            </a:extLst>
-          </p:cNvPr>
-          <p:cNvSpPr>
-            <a:spLocks noGrp="1"/>
-          </p:cNvSpPr>
-          <p:nvPr>
-            <p:ph idx="1"/>
-          </p:nvPr>
-        </p:nvSpPr>
-        <p:spPr>
-          <a:xfrm>
-            <a:off x="1295400" y="2556932"/>
-            <a:ext cx="9845351" cy="3571494"/>
-          </a:xfrm>
-        </p:spPr>
-        <p:txBody>
-          <a:bodyPr>
-            <a:normAutofit fontScale="77500" lnSpcReduction="20000"/>
-          </a:bodyPr>
-          <a:lstStyle/>
-          <a:p>
-            <a:r>
-              <a:rPr lang="en-US" dirty="0"/>
-              <a:t>In general, it contains all hash tables and BST class.</a:t>
-            </a:r>
-          </a:p>
-          <a:p>
-            <a:r>
-              <a:rPr lang="en-US" dirty="0"/>
-              <a:t>Class </a:t>
-            </a:r>
-            <a:r>
-              <a:rPr lang="en-US" dirty="0">
-                <a:highlight>
-                  <a:srgbClr val="FFFF00"/>
-                </a:highlight>
-              </a:rPr>
-              <a:t>Node</a:t>
-            </a:r>
-            <a:r>
-              <a:rPr lang="en-US" dirty="0"/>
-              <a:t> is the BST class contains:</a:t>
-            </a:r>
-          </a:p>
-          <a:p>
-            <a:pPr marL="0" indent="0">
-              <a:buNone/>
-            </a:pPr>
-            <a:r>
-              <a:rPr lang="en-US" dirty="0">
-                <a:solidFill>
-                  <a:srgbClr val="83992A"/>
-                </a:solidFill>
-              </a:rPr>
-              <a:t>*</a:t>
-            </a:r>
-            <a:r>
-              <a:rPr lang="en-US" dirty="0"/>
-              <a:t> Attributes:</a:t>
-            </a:r>
-          </a:p>
-          <a:p>
-            <a:pPr>
-              <a:buFontTx/>
-              <a:buChar char="-"/>
-            </a:pPr>
-            <a:r>
-              <a:rPr lang="en-US" dirty="0"/>
-              <a:t> </a:t>
-            </a:r>
-            <a:r>
-              <a:rPr lang="en-US" dirty="0" err="1"/>
-              <a:t>self.left</a:t>
-            </a:r>
-            <a:r>
-              <a:rPr lang="en-US" dirty="0"/>
-              <a:t> = </a:t>
-            </a:r>
-            <a:r>
-              <a:rPr lang="en-US" dirty="0">
-                <a:solidFill>
-                  <a:srgbClr val="83992A"/>
-                </a:solidFill>
-              </a:rPr>
-              <a:t>left node</a:t>
-            </a:r>
-            <a:r>
-              <a:rPr lang="en-US" dirty="0">
-                <a:solidFill>
-                  <a:schemeClr val="tx1"/>
-                </a:solidFill>
-              </a:rPr>
-              <a:t>,  </a:t>
-            </a:r>
-            <a:r>
-              <a:rPr lang="en-US" dirty="0" err="1"/>
-              <a:t>self.right</a:t>
-            </a:r>
-            <a:r>
-              <a:rPr lang="en-US" dirty="0"/>
-              <a:t> = </a:t>
-            </a:r>
-            <a:r>
-              <a:rPr lang="en-US" dirty="0">
-                <a:solidFill>
-                  <a:srgbClr val="83992A"/>
-                </a:solidFill>
-              </a:rPr>
-              <a:t>right node</a:t>
-            </a:r>
-            <a:r>
-              <a:rPr lang="en-US" dirty="0">
-                <a:solidFill>
-                  <a:schemeClr val="tx1"/>
-                </a:solidFill>
-              </a:rPr>
-              <a:t>,</a:t>
-            </a:r>
-            <a:r>
-              <a:rPr lang="en-US" dirty="0">
-                <a:solidFill>
-                  <a:srgbClr val="83992A"/>
-                </a:solidFill>
-              </a:rPr>
-              <a:t> </a:t>
-            </a:r>
-            <a:r>
-              <a:rPr lang="en-US" dirty="0" err="1"/>
-              <a:t>self.data</a:t>
-            </a:r>
-            <a:r>
-              <a:rPr lang="en-US" dirty="0"/>
-              <a:t> = </a:t>
-            </a:r>
-            <a:r>
-              <a:rPr lang="en-US" dirty="0">
-                <a:solidFill>
-                  <a:srgbClr val="83992A"/>
-                </a:solidFill>
-              </a:rPr>
-              <a:t>data</a:t>
-            </a:r>
-            <a:r>
-              <a:rPr lang="en-US" dirty="0"/>
-              <a:t>,  self.id = </a:t>
-            </a:r>
-            <a:r>
-              <a:rPr lang="en-US" dirty="0">
-                <a:solidFill>
-                  <a:srgbClr val="83992A"/>
-                </a:solidFill>
-              </a:rPr>
-              <a:t>user id</a:t>
-            </a:r>
-          </a:p>
-          <a:p>
-            <a:pPr marL="0" indent="0">
-              <a:buNone/>
-            </a:pPr>
-            <a:r>
-              <a:rPr lang="en-US" dirty="0">
-                <a:solidFill>
-                  <a:srgbClr val="83992A"/>
-                </a:solidFill>
-              </a:rPr>
-              <a:t>* </a:t>
-            </a:r>
-            <a:r>
-              <a:rPr lang="en-US" dirty="0">
-                <a:solidFill>
-                  <a:schemeClr val="tx1"/>
-                </a:solidFill>
-              </a:rPr>
-              <a:t>Methods:</a:t>
-            </a:r>
-            <a:r>
-              <a:rPr lang="en-US" dirty="0">
-                <a:solidFill>
-                  <a:srgbClr val="83992A"/>
-                </a:solidFill>
-              </a:rPr>
-              <a:t> </a:t>
-            </a:r>
-          </a:p>
-          <a:p>
-            <a:pPr>
-              <a:buFontTx/>
-              <a:buChar char="-"/>
-            </a:pPr>
-            <a:r>
-              <a:rPr lang="en-US" dirty="0"/>
-              <a:t>def __</a:t>
-            </a:r>
-            <a:r>
-              <a:rPr lang="en-US" dirty="0" err="1"/>
-              <a:t>init</a:t>
-            </a:r>
-            <a:r>
-              <a:rPr lang="en-US" dirty="0"/>
-              <a:t>__(self, data , id): </a:t>
-            </a:r>
-            <a:r>
-              <a:rPr lang="en-US" dirty="0">
-                <a:solidFill>
-                  <a:srgbClr val="83992A"/>
-                </a:solidFill>
-              </a:rPr>
-              <a:t>to set the root node with the data and initial user id that’s set to -1 refers to there are no users yet</a:t>
-            </a:r>
-          </a:p>
-          <a:p>
-            <a:pPr>
-              <a:buFontTx/>
-              <a:buChar char="-"/>
-            </a:pPr>
-            <a:r>
-              <a:rPr lang="en-US" dirty="0">
-                <a:solidFill>
-                  <a:schemeClr val="tx1"/>
-                </a:solidFill>
-              </a:rPr>
-              <a:t>def insert(self, data , id): </a:t>
-            </a:r>
-            <a:r>
-              <a:rPr lang="en-US" dirty="0">
-                <a:solidFill>
-                  <a:srgbClr val="83992A"/>
-                </a:solidFill>
-              </a:rPr>
-              <a:t>to insert a new node or user to BST</a:t>
-            </a:r>
-          </a:p>
-          <a:p>
-            <a:pPr>
-              <a:buFontTx/>
-              <a:buChar char="-"/>
-            </a:pPr>
-            <a:r>
-              <a:rPr lang="en-US" dirty="0">
-                <a:solidFill>
-                  <a:schemeClr val="tx1"/>
-                </a:solidFill>
-              </a:rPr>
-              <a:t> def </a:t>
-            </a:r>
-            <a:r>
-              <a:rPr lang="en-US" dirty="0" err="1">
-                <a:solidFill>
-                  <a:schemeClr val="tx1"/>
-                </a:solidFill>
-              </a:rPr>
-              <a:t>PrintTree</a:t>
-            </a:r>
-            <a:r>
-              <a:rPr lang="en-US" dirty="0">
-                <a:solidFill>
-                  <a:schemeClr val="tx1"/>
-                </a:solidFill>
-              </a:rPr>
-              <a:t>(self): </a:t>
-            </a:r>
-            <a:r>
-              <a:rPr lang="en-US" dirty="0">
-                <a:solidFill>
-                  <a:srgbClr val="83992A"/>
-                </a:solidFill>
-              </a:rPr>
-              <a:t>print the tree from largest element to lowest one</a:t>
-            </a:r>
-          </a:p>
-          <a:p>
-            <a:pPr>
-              <a:buFontTx/>
-              <a:buChar char="-"/>
-            </a:pPr>
-            <a:r>
-              <a:rPr lang="en-US" dirty="0">
-                <a:solidFill>
-                  <a:schemeClr val="tx1"/>
-                </a:solidFill>
-              </a:rPr>
-              <a:t>def delete(self, key): </a:t>
-            </a:r>
-            <a:r>
-              <a:rPr lang="en-US" dirty="0">
-                <a:solidFill>
-                  <a:srgbClr val="83992A"/>
-                </a:solidFill>
-              </a:rPr>
-              <a:t>delete the user’s node with the given id</a:t>
-            </a:r>
-          </a:p>
-          <a:p>
-            <a:pPr marL="0" indent="0">
-              <a:buNone/>
-            </a:pPr>
-            <a:endParaRPr lang="en-US" dirty="0"/>
-          </a:p>
-          <a:p>
-            <a:pPr marL="0" indent="0">
-              <a:buNone/>
-            </a:pPr>
-            <a:endParaRPr lang="en-US" dirty="0"/>
-          </a:p>
-          <a:p>
-            <a:pPr marL="0" indent="0">
-              <a:buNone/>
-            </a:pPr>
-            <a:endParaRPr lang="en-US" dirty="0"/>
-          </a:p>
-        </p:txBody>
-      </p:sp>
-    </p:spTree>
-    <p:extLst>
-      <p:ext uri="{BB962C8B-B14F-4D97-AF65-F5344CB8AC3E}">
-        <p14:creationId xmlns:p14="http://schemas.microsoft.com/office/powerpoint/2010/main" val="3548587057"/>
-      </p:ext>
-    </p:extLst>
-  </p:cSld>
-  <p:clrMapOvr>
-    <a:masterClrMapping/>
-  </p:clrMapOvr>
+  <p:timing>
+    <p:tnLst>
+      <p:par>
+        <p:cTn id="1" dur="indefinite" restart="never" nodeType="tmRoot"/>
+      </p:par>
+    </p:tnLst>
+  </p:timing>
 </p:sld>
 </file>
 
@@ -8412,7 +8325,7 @@
           <p:cNvPr id="4" name="TextBox 3">
             <a:extLst>
               <a:ext uri="{FF2B5EF4-FFF2-40B4-BE49-F238E27FC236}">
-                <a16:creationId xmlns:a16="http://schemas.microsoft.com/office/drawing/2014/main" id="{AB0E0E98-196A-48C8-9C52-0A75F6FAED62}"/>
+                <a16:creationId xmlns="" xmlns:a16="http://schemas.microsoft.com/office/drawing/2014/main" id="{AB0E0E98-196A-48C8-9C52-0A75F6FAED62}"/>
               </a:ext>
             </a:extLst>
           </p:cNvPr>
@@ -8461,11 +8374,35 @@
                   </a:outerShdw>
                 </a:effectLst>
               </a:rPr>
-              <a:t>Made By :</a:t>
-            </a:r>
-          </a:p>
-          <a:p>
-            <a:pPr algn="ctr"/>
+              <a:t>Made By </a:t>
+            </a:r>
+            <a:r>
+              <a:rPr lang="en-US" sz="6000" b="1" dirty="0" smtClean="0">
+                <a:ln w="12700">
+                  <a:solidFill>
+                    <a:schemeClr val="accent1"/>
+                  </a:solidFill>
+                  <a:prstDash val="solid"/>
+                </a:ln>
+                <a:pattFill prst="pct50">
+                  <a:fgClr>
+                    <a:schemeClr val="accent1"/>
+                  </a:fgClr>
+                  <a:bgClr>
+                    <a:schemeClr val="accent1">
+                      <a:lumMod val="20000"/>
+                      <a:lumOff val="80000"/>
+                    </a:schemeClr>
+                  </a:bgClr>
+                </a:pattFill>
+                <a:effectLst>
+                  <a:outerShdw dist="38100" dir="2640000" algn="bl" rotWithShape="0">
+                    <a:schemeClr val="accent1"/>
+                  </a:outerShdw>
+                </a:effectLst>
+              </a:rPr>
+              <a:t>: G31</a:t>
+            </a:r>
             <a:endParaRPr lang="en-US" sz="6000" b="1" dirty="0">
               <a:ln w="12700">
                 <a:solidFill>
@@ -8491,6 +8428,33 @@
               </a:effectLst>
             </a:endParaRPr>
           </a:p>
+          <a:p>
+            <a:pPr algn="ctr"/>
+            <a:endParaRPr lang="en-US" sz="6000" b="1" dirty="0">
+              <a:ln w="12700">
+                <a:solidFill>
+                  <a:schemeClr val="accent1"/>
+                </a:solidFill>
+                <a:prstDash val="solid"/>
+              </a:ln>
+              <a:pattFill prst="pct50">
+                <a:fgClr>
+                  <a:schemeClr val="accent1"/>
+                </a:fgClr>
+                <a:bgClr>
+                  <a:schemeClr val="accent1">
+                    <a:lumMod val="20000"/>
+                    <a:lumOff val="80000"/>
+                  </a:schemeClr>
+                </a:bgClr>
+              </a:pattFill>
+              <a:effectLst>
+                <a:outerShdw dist="38100" dir="2640000" algn="bl" rotWithShape="0">
+                  <a:schemeClr val="accent1"/>
+                </a:outerShdw>
+              </a:effectLst>
+            </a:endParaRPr>
+          </a:p>
         </p:txBody>
       </p:sp>
       <p:sp>
@@ -8498,7 +8462,7 @@
           <p:cNvPr id="5" name="Rectangle 4">
             <a:extLst>
               <a:ext uri="{FF2B5EF4-FFF2-40B4-BE49-F238E27FC236}">
-                <a16:creationId xmlns:a16="http://schemas.microsoft.com/office/drawing/2014/main" id="{51502DCE-2347-469A-98C0-963B8AC586F2}"/>
+                <a16:creationId xmlns="" xmlns:a16="http://schemas.microsoft.com/office/drawing/2014/main" id="{51502DCE-2347-469A-98C0-963B8AC586F2}"/>
               </a:ext>
             </a:extLst>
           </p:cNvPr>
@@ -8558,18 +8522,10 @@
                   <a:srgbClr val="83992A"/>
                 </a:solidFill>
               </a:rPr>
-              <a:t>BN</a:t>
-            </a:r>
-            <a:r>
-              <a:rPr lang="en-US" sz="3200">
-                <a:solidFill>
-                  <a:srgbClr val="83992A"/>
-                </a:solidFill>
-              </a:rPr>
-              <a:t>: </a:t>
-            </a:r>
-            <a:r>
-              <a:rPr lang="en-US" sz="3200"/>
+              <a:t>BN: </a:t>
+            </a:r>
+            <a:r>
+              <a:rPr lang="en-US" sz="3200" dirty="0"/>
               <a:t>33882</a:t>
             </a:r>
             <a:br>
@@ -8690,8 +8646,8 @@
               <a:t>Sec: </a:t>
             </a:r>
             <a:r>
-              <a:rPr lang="en-US" sz="3200" dirty="0"/>
-              <a:t>3         </a:t>
+              <a:rPr lang="en-US" sz="3200" dirty="0" smtClean="0"/>
+              <a:t>2         </a:t>
             </a:r>
             <a:r>
               <a:rPr lang="en-US" sz="3200" dirty="0">
@@ -8723,6 +8679,13 @@
   <p:clrMapOvr>
     <a:masterClrMapping/>
   </p:clrMapOvr>
+  <p:timing>
+    <p:tnLst>
+      <p:par>
+        <p:cTn id="1" dur="indefinite" restart="never" nodeType="tmRoot"/>
+      </p:par>
+    </p:tnLst>
+  </p:timing>
 </p:sld>
 </file>
 
@@ -8748,7 +8711,7 @@
           <p:cNvPr id="2" name="Title 1">
             <a:extLst>
               <a:ext uri="{FF2B5EF4-FFF2-40B4-BE49-F238E27FC236}">
-                <a16:creationId xmlns:a16="http://schemas.microsoft.com/office/drawing/2014/main" id="{6D72A96A-B2A5-48BE-A4CA-C851561DC79C}"/>
+                <a16:creationId xmlns="" xmlns:a16="http://schemas.microsoft.com/office/drawing/2014/main" id="{6D72A96A-B2A5-48BE-A4CA-C851561DC79C}"/>
               </a:ext>
             </a:extLst>
           </p:cNvPr>
@@ -8787,7 +8750,7 @@
           <p:cNvPr id="3" name="Content Placeholder 2">
             <a:extLst>
               <a:ext uri="{FF2B5EF4-FFF2-40B4-BE49-F238E27FC236}">
-                <a16:creationId xmlns:a16="http://schemas.microsoft.com/office/drawing/2014/main" id="{50EE3FCA-68B2-417F-87C2-FDDE1AEE9B73}"/>
+                <a16:creationId xmlns="" xmlns:a16="http://schemas.microsoft.com/office/drawing/2014/main" id="{50EE3FCA-68B2-417F-87C2-FDDE1AEE9B73}"/>
               </a:ext>
             </a:extLst>
           </p:cNvPr>
@@ -8800,16 +8763,40 @@
         </p:nvSpPr>
         <p:spPr>
           <a:xfrm>
-            <a:off x="959500" y="2556933"/>
-            <a:ext cx="10582468" cy="3312022"/>
+            <a:off x="1295400" y="2556932"/>
+            <a:ext cx="9845351" cy="3571494"/>
           </a:xfrm>
         </p:spPr>
         <p:txBody>
           <a:bodyPr>
-            <a:normAutofit fontScale="70000" lnSpcReduction="20000"/>
+            <a:normAutofit fontScale="77500" lnSpcReduction="20000"/>
           </a:bodyPr>
           <a:lstStyle/>
           <a:p>
+            <a:r>
+              <a:rPr lang="en-US" dirty="0"/>
+              <a:t>In general, it contains all hash tables and BST class.</a:t>
+            </a:r>
+          </a:p>
+          <a:p>
+            <a:r>
+              <a:rPr lang="en-US" dirty="0"/>
+              <a:t>Class </a:t>
+            </a:r>
+            <a:r>
+              <a:rPr lang="en-US" dirty="0">
+                <a:highlight>
+                  <a:srgbClr val="FFFF00"/>
+                </a:highlight>
+              </a:rPr>
+              <a:t>Node</a:t>
+            </a:r>
+            <a:r>
+              <a:rPr lang="en-US" dirty="0"/>
+              <a:t> is the BST class contains:</a:t>
+            </a:r>
+          </a:p>
+          <a:p>
             <a:pPr marL="0" indent="0">
               <a:buNone/>
             </a:pPr>
@@ -8823,7 +8810,101 @@
             </a:r>
             <a:r>
               <a:rPr lang="en-US" dirty="0"/>
-              <a:t> Objects:</a:t>
+              <a:t> Attributes:</a:t>
+            </a:r>
+          </a:p>
+          <a:p>
+            <a:pPr>
+              <a:buFontTx/>
+              <a:buChar char="-"/>
+            </a:pPr>
+            <a:r>
+              <a:rPr lang="en-US" dirty="0"/>
+              <a:t> </a:t>
+            </a:r>
+            <a:r>
+              <a:rPr lang="en-US" dirty="0" err="1"/>
+              <a:t>self.left</a:t>
+            </a:r>
+            <a:r>
+              <a:rPr lang="en-US" dirty="0"/>
+              <a:t> = </a:t>
+            </a:r>
+            <a:r>
+              <a:rPr lang="en-US" dirty="0">
+                <a:solidFill>
+                  <a:srgbClr val="83992A"/>
+                </a:solidFill>
+              </a:rPr>
+              <a:t>left node</a:t>
+            </a:r>
+            <a:r>
+              <a:rPr lang="en-US" dirty="0">
+                <a:solidFill>
+                  <a:schemeClr val="tx1"/>
+                </a:solidFill>
+              </a:rPr>
+              <a:t>,  </a:t>
+            </a:r>
+            <a:r>
+              <a:rPr lang="en-US" dirty="0" err="1"/>
+              <a:t>self.right</a:t>
+            </a:r>
+            <a:r>
+              <a:rPr lang="en-US" dirty="0"/>
+              <a:t> = </a:t>
+            </a:r>
+            <a:r>
+              <a:rPr lang="en-US" dirty="0">
+                <a:solidFill>
+                  <a:srgbClr val="83992A"/>
+                </a:solidFill>
+              </a:rPr>
+              <a:t>right node</a:t>
+            </a:r>
+            <a:r>
+              <a:rPr lang="en-US" dirty="0">
+                <a:solidFill>
+                  <a:schemeClr val="tx1"/>
+                </a:solidFill>
+              </a:rPr>
+              <a:t>,</a:t>
+            </a:r>
+            <a:r>
+              <a:rPr lang="en-US" dirty="0">
+                <a:solidFill>
+                  <a:srgbClr val="83992A"/>
+                </a:solidFill>
+              </a:rPr>
+              <a:t> </a:t>
+            </a:r>
+            <a:r>
+              <a:rPr lang="en-US" dirty="0" err="1"/>
+              <a:t>self.data</a:t>
+            </a:r>
+            <a:r>
+              <a:rPr lang="en-US" dirty="0"/>
+              <a:t> = </a:t>
+            </a:r>
+            <a:r>
+              <a:rPr lang="en-US" dirty="0">
+                <a:solidFill>
+                  <a:srgbClr val="83992A"/>
+                </a:solidFill>
+              </a:rPr>
+              <a:t>data</a:t>
+            </a:r>
+            <a:r>
+              <a:rPr lang="en-US" dirty="0"/>
+              <a:t>,  self.id = </a:t>
+            </a:r>
+            <a:r>
+              <a:rPr lang="en-US" dirty="0">
+                <a:solidFill>
+                  <a:srgbClr val="83992A"/>
+                </a:solidFill>
+              </a:rPr>
+              <a:t>user id</a:t>
             </a:r>
           </a:p>
           <a:p>
@@ -8836,67 +8917,132 @@
                   <a:srgbClr val="83992A"/>
                 </a:solidFill>
               </a:rPr>
-              <a:t># age binary trees</a:t>
-            </a:r>
-          </a:p>
-          <a:p>
-            <a:pPr marL="0" indent="0">
-              <a:buNone/>
+              <a:t>* </a:t>
+            </a:r>
+            <a:r>
+              <a:rPr lang="en-US" dirty="0">
+                <a:solidFill>
+                  <a:schemeClr val="tx1"/>
+                </a:solidFill>
+              </a:rPr>
+              <a:t>Methods:</a:t>
+            </a:r>
+            <a:r>
+              <a:rPr lang="en-US" dirty="0">
+                <a:solidFill>
+                  <a:srgbClr val="83992A"/>
+                </a:solidFill>
+              </a:rPr>
+              <a:t> </a:t>
+            </a:r>
+          </a:p>
+          <a:p>
+            <a:pPr>
+              <a:buFontTx/>
+              <a:buChar char="-"/>
             </a:pPr>
             <a:r>
               <a:rPr lang="en-US" dirty="0"/>
-              <a:t>ageRoot9 = Node(int(9 / 2) + 1, -1), ageRoot19 = Node(int(19 / 2) + 1, -1), ageRoot29 = Node(int(29 / 2) + 1, -1)</a:t>
-            </a:r>
-          </a:p>
-          <a:p>
-            <a:pPr marL="0" indent="0">
-              <a:buNone/>
+              <a:t>def __</a:t>
+            </a:r>
+            <a:r>
+              <a:rPr lang="en-US" dirty="0" err="1"/>
+              <a:t>init</a:t>
+            </a:r>
+            <a:r>
+              <a:rPr lang="en-US" dirty="0"/>
+              <a:t>__(self, data , id): </a:t>
+            </a:r>
+            <a:r>
+              <a:rPr lang="en-US" dirty="0">
+                <a:solidFill>
+                  <a:srgbClr val="83992A"/>
+                </a:solidFill>
+              </a:rPr>
+              <a:t>to set the root node with the data and initial user id that’s set to -1 refers to there are no users yet</a:t>
+            </a:r>
+          </a:p>
+          <a:p>
+            <a:pPr>
+              <a:buFontTx/>
+              <a:buChar char="-"/>
             </a:pPr>
             <a:r>
-              <a:rPr lang="en-US" dirty="0"/>
-              <a:t>ageRoot39 = Node(int(39 / 2) + 1, -1), ageRoot49 = Node(int(49 / 2) + 1, -1), ageRoot59 = Node(int(59 / 2) + 1, -1)</a:t>
-            </a:r>
-          </a:p>
-          <a:p>
-            <a:pPr marL="0" indent="0">
-              <a:buNone/>
+              <a:rPr lang="en-US" dirty="0">
+                <a:solidFill>
+                  <a:schemeClr val="tx1"/>
+                </a:solidFill>
+              </a:rPr>
+              <a:t>def insert(self, data , id): </a:t>
+            </a:r>
+            <a:r>
+              <a:rPr lang="en-US" dirty="0">
+                <a:solidFill>
+                  <a:srgbClr val="83992A"/>
+                </a:solidFill>
+              </a:rPr>
+              <a:t>to insert a new node or user to BST</a:t>
+            </a:r>
+          </a:p>
+          <a:p>
+            <a:pPr>
+              <a:buFontTx/>
+              <a:buChar char="-"/>
             </a:pPr>
             <a:r>
-              <a:rPr lang="en-US" dirty="0"/>
-              <a:t>ageRoot69 = Node(int(69 / 2) + 1, -1), ageRoot79 = Node(int(79 / 2) + 1, -1), ageRoot89 = Node(int(89 / 2) + 1, -1)</a:t>
-            </a:r>
-          </a:p>
-          <a:p>
-            <a:pPr marL="0" indent="0">
-              <a:buNone/>
+              <a:rPr lang="en-US" dirty="0">
+                <a:solidFill>
+                  <a:schemeClr val="tx1"/>
+                </a:solidFill>
+              </a:rPr>
+              <a:t> def </a:t>
+            </a:r>
+            <a:r>
+              <a:rPr lang="en-US" dirty="0" err="1">
+                <a:solidFill>
+                  <a:schemeClr val="tx1"/>
+                </a:solidFill>
+              </a:rPr>
+              <a:t>PrintTree</a:t>
+            </a:r>
+            <a:r>
+              <a:rPr lang="en-US" dirty="0">
+                <a:solidFill>
+                  <a:schemeClr val="tx1"/>
+                </a:solidFill>
+              </a:rPr>
+              <a:t>(self): </a:t>
+            </a:r>
+            <a:r>
+              <a:rPr lang="en-US" dirty="0">
+                <a:solidFill>
+                  <a:srgbClr val="83992A"/>
+                </a:solidFill>
+              </a:rPr>
+              <a:t>print the tree from largest element to lowest one</a:t>
+            </a:r>
+          </a:p>
+          <a:p>
+            <a:pPr>
+              <a:buFontTx/>
+              <a:buChar char="-"/>
             </a:pPr>
             <a:r>
-              <a:rPr lang="en-US" dirty="0"/>
-              <a:t>ageRoot99 = Node(int(99 / 2) + 1, -1), ageRoot109 = Node(int(109 / 2) + 1, -1), ageRoot119 = Node(int(119 / 2) + 1, -1)</a:t>
-            </a:r>
-          </a:p>
-          <a:p>
-            <a:pPr marL="0" indent="0">
-              <a:buNone/>
-            </a:pPr>
-            <a:r>
               <a:rPr lang="en-US" dirty="0">
                 <a:solidFill>
+                  <a:schemeClr val="tx1"/>
+                </a:solidFill>
+              </a:rPr>
+              <a:t>def delete(self, key): </a:t>
+            </a:r>
+            <a:r>
+              <a:rPr lang="en-US" dirty="0">
+                <a:solidFill>
                   <a:srgbClr val="83992A"/>
                 </a:solidFill>
               </a:rPr>
-              <a:t># Node(int(9 / 2) + 1, -1) to set the root node to the avg. number between the range of ages and no user will be on it.</a:t>
-            </a:r>
-          </a:p>
-          <a:p>
-            <a:pPr marL="0" indent="0">
-              <a:buNone/>
-            </a:pPr>
-            <a:endParaRPr lang="en-US" dirty="0">
-              <a:solidFill>
-                <a:srgbClr val="83992A"/>
-              </a:solidFill>
-            </a:endParaRPr>
+              <a:t>delete the user’s node with the given id</a:t>
+            </a:r>
           </a:p>
           <a:p>
             <a:pPr marL="0" indent="0">
@@ -8921,13 +9067,20 @@
     </p:spTree>
     <p:extLst>
       <p:ext uri="{BB962C8B-B14F-4D97-AF65-F5344CB8AC3E}">
-        <p14:creationId xmlns:p14="http://schemas.microsoft.com/office/powerpoint/2010/main" val="3230866077"/>
+        <p14:creationId xmlns:p14="http://schemas.microsoft.com/office/powerpoint/2010/main" val="3548587057"/>
       </p:ext>
     </p:extLst>
   </p:cSld>
   <p:clrMapOvr>
     <a:masterClrMapping/>
   </p:clrMapOvr>
+  <p:timing>
+    <p:tnLst>
+      <p:par>
+        <p:cTn id="1" dur="indefinite" restart="never" nodeType="tmRoot"/>
+      </p:par>
+    </p:tnLst>
+  </p:timing>
 </p:sld>
 </file>
 
@@ -8953,7 +9106,7 @@
           <p:cNvPr id="2" name="Title 1">
             <a:extLst>
               <a:ext uri="{FF2B5EF4-FFF2-40B4-BE49-F238E27FC236}">
-                <a16:creationId xmlns:a16="http://schemas.microsoft.com/office/drawing/2014/main" id="{6D72A96A-B2A5-48BE-A4CA-C851561DC79C}"/>
+                <a16:creationId xmlns="" xmlns:a16="http://schemas.microsoft.com/office/drawing/2014/main" id="{6D72A96A-B2A5-48BE-A4CA-C851561DC79C}"/>
               </a:ext>
             </a:extLst>
           </p:cNvPr>
@@ -8992,7 +9145,7 @@
           <p:cNvPr id="3" name="Content Placeholder 2">
             <a:extLst>
               <a:ext uri="{FF2B5EF4-FFF2-40B4-BE49-F238E27FC236}">
-                <a16:creationId xmlns:a16="http://schemas.microsoft.com/office/drawing/2014/main" id="{50EE3FCA-68B2-417F-87C2-FDDE1AEE9B73}"/>
+                <a16:creationId xmlns="" xmlns:a16="http://schemas.microsoft.com/office/drawing/2014/main" id="{50EE3FCA-68B2-417F-87C2-FDDE1AEE9B73}"/>
               </a:ext>
             </a:extLst>
           </p:cNvPr>
@@ -9011,7 +9164,7 @@
         </p:spPr>
         <p:txBody>
           <a:bodyPr>
-            <a:normAutofit fontScale="92500" lnSpcReduction="10000"/>
+            <a:normAutofit fontScale="70000" lnSpcReduction="20000"/>
           </a:bodyPr>
           <a:lstStyle/>
           <a:p>
@@ -9036,12 +9189,12 @@
               <a:buNone/>
             </a:pPr>
             <a:r>
-              <a:rPr lang="nl-NL" dirty="0">
+              <a:rPr lang="en-US" dirty="0">
                 <a:solidFill>
                   <a:srgbClr val="83992A"/>
                 </a:solidFill>
               </a:rPr>
-              <a:t># name binary trees</a:t>
+              <a:t># age binary trees</a:t>
             </a:r>
           </a:p>
           <a:p>
@@ -9049,80 +9202,48 @@
               <a:buNone/>
             </a:pPr>
             <a:r>
-              <a:rPr lang="nl-NL" dirty="0">
-                <a:solidFill>
-                  <a:schemeClr val="tx1"/>
+              <a:rPr lang="en-US" dirty="0"/>
+              <a:t>ageRoot9 = Node(int(9 / 2) + 1, -1), ageRoot19 = Node(int(19 / 2) + 1, -1), ageRoot29 = Node(int(29 / 2) + 1, -1)</a:t>
+            </a:r>
+          </a:p>
+          <a:p>
+            <a:pPr marL="0" indent="0">
+              <a:buNone/>
+            </a:pPr>
+            <a:r>
+              <a:rPr lang="en-US" dirty="0"/>
+              <a:t>ageRoot39 = Node(int(39 / 2) + 1, -1), ageRoot49 = Node(int(49 / 2) + 1, -1), ageRoot59 = Node(int(59 / 2) + 1, -1)</a:t>
+            </a:r>
+          </a:p>
+          <a:p>
+            <a:pPr marL="0" indent="0">
+              <a:buNone/>
+            </a:pPr>
+            <a:r>
+              <a:rPr lang="en-US" dirty="0"/>
+              <a:t>ageRoot69 = Node(int(69 / 2) + 1, -1), ageRoot79 = Node(int(79 / 2) + 1, -1), ageRoot89 = Node(int(89 / 2) + 1, -1)</a:t>
+            </a:r>
+          </a:p>
+          <a:p>
+            <a:pPr marL="0" indent="0">
+              <a:buNone/>
+            </a:pPr>
+            <a:r>
+              <a:rPr lang="en-US" dirty="0"/>
+              <a:t>ageRoot99 = Node(int(99 / 2) + 1, -1), ageRoot109 = Node(int(109 / 2) + 1, -1), ageRoot119 = Node(int(119 / 2) + 1, -1)</a:t>
+            </a:r>
+          </a:p>
+          <a:p>
+            <a:pPr marL="0" indent="0">
+              <a:buNone/>
+            </a:pPr>
+            <a:r>
+              <a:rPr lang="en-US" dirty="0">
+                <a:solidFill>
+                  <a:srgbClr val="83992A"/>
                 </a:solidFill>
               </a:rPr>
-              <a:t>nameRoot0 = Node("l",-1), nameRoot1 = Node("m",-1), nameRoot2 = Node("n",-1)</a:t>
-            </a:r>
-          </a:p>
-          <a:p>
-            <a:pPr marL="0" indent="0">
-              <a:buNone/>
-            </a:pPr>
-            <a:r>
-              <a:rPr lang="nl-NL" dirty="0">
-                <a:solidFill>
-                  <a:schemeClr val="tx1"/>
-                </a:solidFill>
-              </a:rPr>
-              <a:t>nameRoot3 = Node("o",-1), nameRoot4 = Node("p",-1), nameRoot5 = Node("q",-1)</a:t>
-            </a:r>
-          </a:p>
-          <a:p>
-            <a:pPr marL="0" indent="0">
-              <a:buNone/>
-            </a:pPr>
-            <a:r>
-              <a:rPr lang="nl-NL" dirty="0">
-                <a:solidFill>
-                  <a:schemeClr val="tx1"/>
-                </a:solidFill>
-              </a:rPr>
-              <a:t>nameRoot6 = Node("r",-1), nameRoot7 = Node("s",-1), nameRoot8 = Node("t",-1)</a:t>
-            </a:r>
-          </a:p>
-          <a:p>
-            <a:pPr marL="0" indent="0">
-              <a:buNone/>
-            </a:pPr>
-            <a:r>
-              <a:rPr lang="nl-NL" dirty="0">
-                <a:solidFill>
-                  <a:schemeClr val="tx1"/>
-                </a:solidFill>
-              </a:rPr>
-              <a:t>nameRoot9 = Node("u",-1), nameRoot10 = Node("v",-1), nameRoot11 = Node("w",-1)</a:t>
-            </a:r>
-          </a:p>
-          <a:p>
-            <a:pPr marL="0" indent="0">
-              <a:buNone/>
-            </a:pPr>
-            <a:r>
-              <a:rPr lang="en-US" dirty="0">
-                <a:solidFill>
-                  <a:srgbClr val="83992A"/>
-                </a:solidFill>
-              </a:rPr>
-              <a:t># </a:t>
-            </a:r>
-            <a:r>
-              <a:rPr lang="nl-NL" dirty="0">
-                <a:solidFill>
-                  <a:srgbClr val="83992A"/>
-                </a:solidFill>
-              </a:rPr>
-              <a:t>Node("l",-1)</a:t>
-            </a:r>
-            <a:r>
-              <a:rPr lang="en-US" dirty="0">
-                <a:solidFill>
-                  <a:srgbClr val="83992A"/>
-                </a:solidFill>
-              </a:rPr>
-              <a:t> to set the root node to hash table index number and no user will be on it.</a:t>
+              <a:t># Node(int(9 / 2) + 1, -1) to set the root node to the avg. number between the range of ages and no user will be on it.</a:t>
             </a:r>
           </a:p>
           <a:p>
@@ -9158,13 +9279,20 @@
     </p:spTree>
     <p:extLst>
       <p:ext uri="{BB962C8B-B14F-4D97-AF65-F5344CB8AC3E}">
-        <p14:creationId xmlns:p14="http://schemas.microsoft.com/office/powerpoint/2010/main" val="2891226386"/>
+        <p14:creationId xmlns:p14="http://schemas.microsoft.com/office/powerpoint/2010/main" val="3230866077"/>
       </p:ext>
     </p:extLst>
   </p:cSld>
   <p:clrMapOvr>
     <a:masterClrMapping/>
   </p:clrMapOvr>
+  <p:timing>
+    <p:tnLst>
+      <p:par>
+        <p:cTn id="1" dur="indefinite" restart="never" nodeType="tmRoot"/>
+      </p:par>
+    </p:tnLst>
+  </p:timing>
 </p:sld>
 </file>
 
@@ -9190,7 +9318,7 @@
           <p:cNvPr id="2" name="Title 1">
             <a:extLst>
               <a:ext uri="{FF2B5EF4-FFF2-40B4-BE49-F238E27FC236}">
-                <a16:creationId xmlns:a16="http://schemas.microsoft.com/office/drawing/2014/main" id="{6D72A96A-B2A5-48BE-A4CA-C851561DC79C}"/>
+                <a16:creationId xmlns="" xmlns:a16="http://schemas.microsoft.com/office/drawing/2014/main" id="{6D72A96A-B2A5-48BE-A4CA-C851561DC79C}"/>
               </a:ext>
             </a:extLst>
           </p:cNvPr>
@@ -9229,7 +9357,7 @@
           <p:cNvPr id="3" name="Content Placeholder 2">
             <a:extLst>
               <a:ext uri="{FF2B5EF4-FFF2-40B4-BE49-F238E27FC236}">
-                <a16:creationId xmlns:a16="http://schemas.microsoft.com/office/drawing/2014/main" id="{50EE3FCA-68B2-417F-87C2-FDDE1AEE9B73}"/>
+                <a16:creationId xmlns="" xmlns:a16="http://schemas.microsoft.com/office/drawing/2014/main" id="{50EE3FCA-68B2-417F-87C2-FDDE1AEE9B73}"/>
               </a:ext>
             </a:extLst>
           </p:cNvPr>
@@ -9278,7 +9406,7 @@
                   <a:srgbClr val="83992A"/>
                 </a:solidFill>
               </a:rPr>
-              <a:t># country binary trees</a:t>
+              <a:t># name binary trees</a:t>
             </a:r>
           </a:p>
           <a:p>
@@ -9291,7 +9419,7 @@
                   <a:schemeClr val="tx1"/>
                 </a:solidFill>
               </a:rPr>
-              <a:t>countryRoot0 = Node("l",-1), countryRoot1 = Node("m",-1), countryRoot2 = Node("n",-1)</a:t>
+              <a:t>nameRoot0 = Node("l",-1), nameRoot1 = Node("m",-1), nameRoot2 = Node("n",-1)</a:t>
             </a:r>
           </a:p>
           <a:p>
@@ -9304,7 +9432,7 @@
                   <a:schemeClr val="tx1"/>
                 </a:solidFill>
               </a:rPr>
-              <a:t>countryRoot3 = Node("o",-1), countryRoot4 = Node("p",-1), countryRoot5 = Node("q",-1)</a:t>
+              <a:t>nameRoot3 = Node("o",-1), nameRoot4 = Node("p",-1), nameRoot5 = Node("q",-1)</a:t>
             </a:r>
           </a:p>
           <a:p>
@@ -9317,7 +9445,7 @@
                   <a:schemeClr val="tx1"/>
                 </a:solidFill>
               </a:rPr>
-              <a:t>countryRoot6 = Node("r",-1), countryRoot7 = Node("s",-1), countryRoot8 = Node("t",-1)</a:t>
+              <a:t>nameRoot6 = Node("r",-1), nameRoot7 = Node("s",-1), nameRoot8 = Node("t",-1)</a:t>
             </a:r>
           </a:p>
           <a:p>
@@ -9330,7 +9458,7 @@
                   <a:schemeClr val="tx1"/>
                 </a:solidFill>
               </a:rPr>
-              <a:t>countryRoot9 = Node("u",-1), countryRoot10 = Node("v",-1), countryRoot11 = Node("w",-1)</a:t>
+              <a:t>nameRoot9 = Node("u",-1), nameRoot10 = Node("v",-1), nameRoot11 = Node("w",-1)</a:t>
             </a:r>
           </a:p>
           <a:p>
@@ -9395,13 +9523,20 @@
     </p:spTree>
     <p:extLst>
       <p:ext uri="{BB962C8B-B14F-4D97-AF65-F5344CB8AC3E}">
-        <p14:creationId xmlns:p14="http://schemas.microsoft.com/office/powerpoint/2010/main" val="306532891"/>
+        <p14:creationId xmlns:p14="http://schemas.microsoft.com/office/powerpoint/2010/main" val="2891226386"/>
       </p:ext>
     </p:extLst>
   </p:cSld>
   <p:clrMapOvr>
     <a:masterClrMapping/>
   </p:clrMapOvr>
+  <p:timing>
+    <p:tnLst>
+      <p:par>
+        <p:cTn id="1" dur="indefinite" restart="never" nodeType="tmRoot"/>
+      </p:par>
+    </p:tnLst>
+  </p:timing>
 </p:sld>
 </file>
 
@@ -9427,7 +9562,7 @@
           <p:cNvPr id="2" name="Title 1">
             <a:extLst>
               <a:ext uri="{FF2B5EF4-FFF2-40B4-BE49-F238E27FC236}">
-                <a16:creationId xmlns:a16="http://schemas.microsoft.com/office/drawing/2014/main" id="{6D72A96A-B2A5-48BE-A4CA-C851561DC79C}"/>
+                <a16:creationId xmlns="" xmlns:a16="http://schemas.microsoft.com/office/drawing/2014/main" id="{6D72A96A-B2A5-48BE-A4CA-C851561DC79C}"/>
               </a:ext>
             </a:extLst>
           </p:cNvPr>
@@ -9466,7 +9601,7 @@
           <p:cNvPr id="3" name="Content Placeholder 2">
             <a:extLst>
               <a:ext uri="{FF2B5EF4-FFF2-40B4-BE49-F238E27FC236}">
-                <a16:creationId xmlns:a16="http://schemas.microsoft.com/office/drawing/2014/main" id="{50EE3FCA-68B2-417F-87C2-FDDE1AEE9B73}"/>
+                <a16:creationId xmlns="" xmlns:a16="http://schemas.microsoft.com/office/drawing/2014/main" id="{50EE3FCA-68B2-417F-87C2-FDDE1AEE9B73}"/>
               </a:ext>
             </a:extLst>
           </p:cNvPr>
@@ -9479,80 +9614,141 @@
         </p:nvSpPr>
         <p:spPr>
           <a:xfrm>
-            <a:off x="1295400" y="2556932"/>
-            <a:ext cx="9845351" cy="3571494"/>
+            <a:off x="959500" y="2556933"/>
+            <a:ext cx="10582468" cy="3312022"/>
           </a:xfrm>
         </p:spPr>
         <p:txBody>
           <a:bodyPr>
-            <a:normAutofit/>
+            <a:normAutofit fontScale="92500" lnSpcReduction="10000"/>
           </a:bodyPr>
           <a:lstStyle/>
           <a:p>
+            <a:pPr marL="0" indent="0">
+              <a:buNone/>
+            </a:pPr>
+            <a:r>
+              <a:rPr lang="en-US" dirty="0">
+                <a:solidFill>
+                  <a:srgbClr val="83992A"/>
+                </a:solidFill>
+              </a:rPr>
+              <a:t>*</a:t>
+            </a:r>
             <a:r>
               <a:rPr lang="en-US" dirty="0"/>
-              <a:t>Hash Tables Methods:</a:t>
-            </a:r>
-          </a:p>
-          <a:p>
-            <a:pPr>
-              <a:buFontTx/>
-              <a:buChar char="-"/>
+              <a:t> Objects:</a:t>
+            </a:r>
+          </a:p>
+          <a:p>
+            <a:pPr marL="0" indent="0">
+              <a:buNone/>
             </a:pPr>
             <a:r>
-              <a:rPr lang="en-US" dirty="0"/>
-              <a:t>def </a:t>
-            </a:r>
-            <a:r>
-              <a:rPr lang="en-US" dirty="0" err="1">
-                <a:highlight>
-                  <a:srgbClr val="FFFF00"/>
-                </a:highlight>
+              <a:rPr lang="nl-NL" dirty="0">
+                <a:solidFill>
+                  <a:srgbClr val="83992A"/>
+                </a:solidFill>
               </a:rPr>
-              <a:t>ageHashFunc</a:t>
-            </a:r>
-            <a:r>
-              <a:rPr lang="en-US" dirty="0"/>
-              <a:t>(age): </a:t>
-            </a:r>
+              <a:t># country binary trees</a:t>
+            </a:r>
+          </a:p>
+          <a:p>
+            <a:pPr marL="0" indent="0">
+              <a:buNone/>
+            </a:pPr>
+            <a:r>
+              <a:rPr lang="nl-NL" dirty="0">
+                <a:solidFill>
+                  <a:schemeClr val="tx1"/>
+                </a:solidFill>
+              </a:rPr>
+              <a:t>countryRoot0 = Node("l",-1), countryRoot1 = Node("m",-1), countryRoot2 = Node("n",-1)</a:t>
+            </a:r>
+          </a:p>
+          <a:p>
+            <a:pPr marL="0" indent="0">
+              <a:buNone/>
+            </a:pPr>
+            <a:r>
+              <a:rPr lang="nl-NL" dirty="0">
+                <a:solidFill>
+                  <a:schemeClr val="tx1"/>
+                </a:solidFill>
+              </a:rPr>
+              <a:t>countryRoot3 = Node("o",-1), countryRoot4 = Node("p",-1), countryRoot5 = Node("q",-1)</a:t>
+            </a:r>
+          </a:p>
+          <a:p>
+            <a:pPr marL="0" indent="0">
+              <a:buNone/>
+            </a:pPr>
+            <a:r>
+              <a:rPr lang="nl-NL" dirty="0">
+                <a:solidFill>
+                  <a:schemeClr val="tx1"/>
+                </a:solidFill>
+              </a:rPr>
+              <a:t>countryRoot6 = Node("r",-1), countryRoot7 = Node("s",-1), countryRoot8 = Node("t",-1)</a:t>
+            </a:r>
+          </a:p>
+          <a:p>
+            <a:pPr marL="0" indent="0">
+              <a:buNone/>
+            </a:pPr>
+            <a:r>
+              <a:rPr lang="nl-NL" dirty="0">
+                <a:solidFill>
+                  <a:schemeClr val="tx1"/>
+                </a:solidFill>
+              </a:rPr>
+              <a:t>countryRoot9 = Node("u",-1), countryRoot10 = Node("v",-1), countryRoot11 = Node("w",-1)</a:t>
+            </a:r>
+          </a:p>
+          <a:p>
+            <a:pPr marL="0" indent="0">
+              <a:buNone/>
+            </a:pPr>
             <a:r>
               <a:rPr lang="en-US" dirty="0">
                 <a:solidFill>
                   <a:srgbClr val="83992A"/>
                 </a:solidFill>
               </a:rPr>
-              <a:t>you give it your age and it tell you where is your place in age hash table</a:t>
-            </a:r>
-          </a:p>
-          <a:p>
-            <a:pPr>
-              <a:buFontTx/>
-              <a:buChar char="-"/>
+              <a:t># </a:t>
+            </a:r>
+            <a:r>
+              <a:rPr lang="nl-NL" dirty="0">
+                <a:solidFill>
+                  <a:srgbClr val="83992A"/>
+                </a:solidFill>
+              </a:rPr>
+              <a:t>Node("l",-1)</a:t>
+            </a:r>
+            <a:r>
+              <a:rPr lang="en-US" dirty="0">
+                <a:solidFill>
+                  <a:srgbClr val="83992A"/>
+                </a:solidFill>
+              </a:rPr>
+              <a:t> to set the root node to hash table index number and no user will be on it.</a:t>
+            </a:r>
+          </a:p>
+          <a:p>
+            <a:pPr marL="0" indent="0">
+              <a:buNone/>
             </a:pPr>
-            <a:r>
-              <a:rPr lang="en-US" dirty="0"/>
-              <a:t>def </a:t>
-            </a:r>
-            <a:r>
-              <a:rPr lang="en-US" dirty="0" err="1">
-                <a:highlight>
-                  <a:srgbClr val="FFFF00"/>
-                </a:highlight>
-              </a:rPr>
-              <a:t>nameHashFunc</a:t>
-            </a:r>
-            <a:r>
-              <a:rPr lang="en-US" dirty="0"/>
-              <a:t>(name): </a:t>
-            </a:r>
-            <a:r>
-              <a:rPr lang="en-US" dirty="0">
-                <a:solidFill>
-                  <a:srgbClr val="83992A"/>
-                </a:solidFill>
-              </a:rPr>
-              <a:t>you give it your name/country and it tell you where is your place in name/country hash table</a:t>
-            </a:r>
+            <a:endParaRPr lang="en-US" dirty="0">
+              <a:solidFill>
+                <a:srgbClr val="83992A"/>
+              </a:solidFill>
+            </a:endParaRPr>
+          </a:p>
+          <a:p>
+            <a:pPr marL="0" indent="0">
+              <a:buNone/>
+            </a:pPr>
+            <a:endParaRPr lang="en-US" dirty="0"/>
           </a:p>
           <a:p>
             <a:pPr marL="0" indent="0">
@@ -9571,13 +9767,20 @@
     </p:spTree>
     <p:extLst>
       <p:ext uri="{BB962C8B-B14F-4D97-AF65-F5344CB8AC3E}">
-        <p14:creationId xmlns:p14="http://schemas.microsoft.com/office/powerpoint/2010/main" val="3897171600"/>
+        <p14:creationId xmlns:p14="http://schemas.microsoft.com/office/powerpoint/2010/main" val="306532891"/>
       </p:ext>
     </p:extLst>
   </p:cSld>
   <p:clrMapOvr>
     <a:masterClrMapping/>
   </p:clrMapOvr>
+  <p:timing>
+    <p:tnLst>
+      <p:par>
+        <p:cTn id="1" dur="indefinite" restart="never" nodeType="tmRoot"/>
+      </p:par>
+    </p:tnLst>
+  </p:timing>
 </p:sld>
 </file>
 
@@ -9600,10 +9803,49 @@
       </p:grpSpPr>
       <p:sp>
         <p:nvSpPr>
+          <p:cNvPr id="2" name="Title 1">
+            <a:extLst>
+              <a:ext uri="{FF2B5EF4-FFF2-40B4-BE49-F238E27FC236}">
+                <a16:creationId xmlns="" xmlns:a16="http://schemas.microsoft.com/office/drawing/2014/main" id="{6D72A96A-B2A5-48BE-A4CA-C851561DC79C}"/>
+              </a:ext>
+            </a:extLst>
+          </p:cNvPr>
+          <p:cNvSpPr>
+            <a:spLocks noGrp="1"/>
+          </p:cNvSpPr>
+          <p:nvPr>
+            <p:ph type="title"/>
+          </p:nvPr>
+        </p:nvSpPr>
+        <p:spPr>
+          <a:xfrm>
+            <a:off x="1071467" y="1084769"/>
+            <a:ext cx="9601196" cy="1303867"/>
+          </a:xfrm>
+        </p:spPr>
+        <p:txBody>
+          <a:bodyPr>
+            <a:normAutofit/>
+          </a:bodyPr>
+          <a:lstStyle/>
+          <a:p>
+            <a:r>
+              <a:rPr lang="en-US" b="1" dirty="0"/>
+              <a:t>hashing.py</a:t>
+            </a:r>
+            <a:r>
+              <a:rPr lang="en-US" dirty="0"/>
+              <a:t> </a:t>
+            </a:r>
+          </a:p>
+        </p:txBody>
+      </p:sp>
+      <p:sp>
+        <p:nvSpPr>
           <p:cNvPr id="3" name="Content Placeholder 2">
             <a:extLst>
               <a:ext uri="{FF2B5EF4-FFF2-40B4-BE49-F238E27FC236}">
-                <a16:creationId xmlns:a16="http://schemas.microsoft.com/office/drawing/2014/main" id="{B6A45DC4-1D58-4AD4-B14D-F9D3099BC11B}"/>
+                <a16:creationId xmlns="" xmlns:a16="http://schemas.microsoft.com/office/drawing/2014/main" id="{50EE3FCA-68B2-417F-87C2-FDDE1AEE9B73}"/>
               </a:ext>
             </a:extLst>
           </p:cNvPr>
@@ -9614,6 +9856,150 @@
             <p:ph idx="1"/>
           </p:nvPr>
         </p:nvSpPr>
+        <p:spPr>
+          <a:xfrm>
+            <a:off x="1295400" y="2556932"/>
+            <a:ext cx="9845351" cy="3571494"/>
+          </a:xfrm>
+        </p:spPr>
+        <p:txBody>
+          <a:bodyPr>
+            <a:normAutofit/>
+          </a:bodyPr>
+          <a:lstStyle/>
+          <a:p>
+            <a:r>
+              <a:rPr lang="en-US" dirty="0"/>
+              <a:t>Hash Tables Methods:</a:t>
+            </a:r>
+          </a:p>
+          <a:p>
+            <a:pPr>
+              <a:buFontTx/>
+              <a:buChar char="-"/>
+            </a:pPr>
+            <a:r>
+              <a:rPr lang="en-US" dirty="0"/>
+              <a:t>def </a:t>
+            </a:r>
+            <a:r>
+              <a:rPr lang="en-US" dirty="0" err="1">
+                <a:highlight>
+                  <a:srgbClr val="FFFF00"/>
+                </a:highlight>
+              </a:rPr>
+              <a:t>ageHashFunc</a:t>
+            </a:r>
+            <a:r>
+              <a:rPr lang="en-US" dirty="0"/>
+              <a:t>(age): </a:t>
+            </a:r>
+            <a:r>
+              <a:rPr lang="en-US" dirty="0">
+                <a:solidFill>
+                  <a:srgbClr val="83992A"/>
+                </a:solidFill>
+              </a:rPr>
+              <a:t>you give it your age and it tell you where is your place in age hash table</a:t>
+            </a:r>
+          </a:p>
+          <a:p>
+            <a:pPr>
+              <a:buFontTx/>
+              <a:buChar char="-"/>
+            </a:pPr>
+            <a:r>
+              <a:rPr lang="en-US" dirty="0"/>
+              <a:t>def </a:t>
+            </a:r>
+            <a:r>
+              <a:rPr lang="en-US" dirty="0" err="1">
+                <a:highlight>
+                  <a:srgbClr val="FFFF00"/>
+                </a:highlight>
+              </a:rPr>
+              <a:t>nameHashFunc</a:t>
+            </a:r>
+            <a:r>
+              <a:rPr lang="en-US" dirty="0"/>
+              <a:t>(name): </a:t>
+            </a:r>
+            <a:r>
+              <a:rPr lang="en-US" dirty="0">
+                <a:solidFill>
+                  <a:srgbClr val="83992A"/>
+                </a:solidFill>
+              </a:rPr>
+              <a:t>you give it your name/country and it tell you where is your place in name/country hash table</a:t>
+            </a:r>
+          </a:p>
+          <a:p>
+            <a:pPr marL="0" indent="0">
+              <a:buNone/>
+            </a:pPr>
+            <a:endParaRPr lang="en-US" dirty="0"/>
+          </a:p>
+          <a:p>
+            <a:pPr marL="0" indent="0">
+              <a:buNone/>
+            </a:pPr>
+            <a:endParaRPr lang="en-US" dirty="0"/>
+          </a:p>
+        </p:txBody>
+      </p:sp>
+    </p:spTree>
+    <p:extLst>
+      <p:ext uri="{BB962C8B-B14F-4D97-AF65-F5344CB8AC3E}">
+        <p14:creationId xmlns:p14="http://schemas.microsoft.com/office/powerpoint/2010/main" val="3897171600"/>
+      </p:ext>
+    </p:extLst>
+  </p:cSld>
+  <p:clrMapOvr>
+    <a:masterClrMapping/>
+  </p:clrMapOvr>
+  <p:timing>
+    <p:tnLst>
+      <p:par>
+        <p:cTn id="1" dur="indefinite" restart="never" nodeType="tmRoot"/>
+      </p:par>
+    </p:tnLst>
+  </p:timing>
+</p:sld>
+</file>
+
+<file path=ppt/slides/slide25.xml><?xml version="1.0" encoding="utf-8"?>
+<p:sld xmlns:a="http://schemas.openxmlformats.org/drawingml/2006/main" xmlns:r="http://schemas.openxmlformats.org/officeDocument/2006/relationships" xmlns:p="http://schemas.openxmlformats.org/presentationml/2006/main">
+  <p:cSld>
+    <p:spTree>
+      <p:nvGrpSpPr>
+        <p:cNvPr id="1" name=""/>
+        <p:cNvGrpSpPr/>
+        <p:nvPr/>
+      </p:nvGrpSpPr>
+      <p:grpSpPr>
+        <a:xfrm>
+          <a:off x="0" y="0"/>
+          <a:ext cx="0" cy="0"/>
+          <a:chOff x="0" y="0"/>
+          <a:chExt cx="0" cy="0"/>
+        </a:xfrm>
+      </p:grpSpPr>
+      <p:sp>
+        <p:nvSpPr>
+          <p:cNvPr id="3" name="Content Placeholder 2">
+            <a:extLst>
+              <a:ext uri="{FF2B5EF4-FFF2-40B4-BE49-F238E27FC236}">
+                <a16:creationId xmlns="" xmlns:a16="http://schemas.microsoft.com/office/drawing/2014/main" id="{B6A45DC4-1D58-4AD4-B14D-F9D3099BC11B}"/>
+              </a:ext>
+            </a:extLst>
+          </p:cNvPr>
+          <p:cNvSpPr>
+            <a:spLocks noGrp="1"/>
+          </p:cNvSpPr>
+          <p:nvPr>
+            <p:ph idx="1"/>
+          </p:nvPr>
+        </p:nvSpPr>
         <p:spPr/>
         <p:txBody>
           <a:bodyPr/>
@@ -9637,7 +10023,7 @@
           <p:cNvPr id="4" name="Title 1">
             <a:extLst>
               <a:ext uri="{FF2B5EF4-FFF2-40B4-BE49-F238E27FC236}">
-                <a16:creationId xmlns:a16="http://schemas.microsoft.com/office/drawing/2014/main" id="{DA043806-DF65-40BD-AE26-DA1242AF25B1}"/>
+                <a16:creationId xmlns="" xmlns:a16="http://schemas.microsoft.com/office/drawing/2014/main" id="{DA043806-DF65-40BD-AE26-DA1242AF25B1}"/>
               </a:ext>
             </a:extLst>
           </p:cNvPr>
@@ -9757,7 +10143,7 @@
           <p:cNvPr id="6" name="Picture 5">
             <a:extLst>
               <a:ext uri="{FF2B5EF4-FFF2-40B4-BE49-F238E27FC236}">
-                <a16:creationId xmlns:a16="http://schemas.microsoft.com/office/drawing/2014/main" id="{0173E2B3-84CA-4021-9FA9-C4345D63966E}"/>
+                <a16:creationId xmlns="" xmlns:a16="http://schemas.microsoft.com/office/drawing/2014/main" id="{0173E2B3-84CA-4021-9FA9-C4345D63966E}"/>
               </a:ext>
             </a:extLst>
           </p:cNvPr>
@@ -9791,10 +10177,17 @@
   <p:clrMapOvr>
     <a:masterClrMapping/>
   </p:clrMapOvr>
+  <p:timing>
+    <p:tnLst>
+      <p:par>
+        <p:cTn id="1" dur="indefinite" restart="never" nodeType="tmRoot"/>
+      </p:par>
+    </p:tnLst>
+  </p:timing>
 </p:sld>
 </file>
 
-<file path=ppt/slides/slide25.xml><?xml version="1.0" encoding="utf-8"?>
+<file path=ppt/slides/slide26.xml><?xml version="1.0" encoding="utf-8"?>
 <p:sld xmlns:a="http://schemas.openxmlformats.org/drawingml/2006/main" xmlns:r="http://schemas.openxmlformats.org/officeDocument/2006/relationships" xmlns:p="http://schemas.openxmlformats.org/presentationml/2006/main">
   <p:cSld>
     <p:spTree>
@@ -9816,7 +10209,7 @@
           <p:cNvPr id="5" name="TextBox 4">
             <a:extLst>
               <a:ext uri="{FF2B5EF4-FFF2-40B4-BE49-F238E27FC236}">
-                <a16:creationId xmlns:a16="http://schemas.microsoft.com/office/drawing/2014/main" id="{8F721998-0DCB-4BF5-8904-11560EA24EBB}"/>
+                <a16:creationId xmlns="" xmlns:a16="http://schemas.microsoft.com/office/drawing/2014/main" id="{8F721998-0DCB-4BF5-8904-11560EA24EBB}"/>
               </a:ext>
             </a:extLst>
           </p:cNvPr>
@@ -9910,10 +10303,17 @@
   <p:clrMapOvr>
     <a:masterClrMapping/>
   </p:clrMapOvr>
+  <p:timing>
+    <p:tnLst>
+      <p:par>
+        <p:cTn id="1" dur="indefinite" restart="never" nodeType="tmRoot"/>
+      </p:par>
+    </p:tnLst>
+  </p:timing>
 </p:sld>
 </file>
 
-<file path=ppt/slides/slide26.xml><?xml version="1.0" encoding="utf-8"?>
+<file path=ppt/slides/slide27.xml><?xml version="1.0" encoding="utf-8"?>
 <p:sld xmlns:a="http://schemas.openxmlformats.org/drawingml/2006/main" xmlns:r="http://schemas.openxmlformats.org/officeDocument/2006/relationships" xmlns:p="http://schemas.openxmlformats.org/presentationml/2006/main">
   <p:cSld>
     <p:spTree>
@@ -9935,7 +10335,7 @@
           <p:cNvPr id="3" name="Content Placeholder 2">
             <a:extLst>
               <a:ext uri="{FF2B5EF4-FFF2-40B4-BE49-F238E27FC236}">
-                <a16:creationId xmlns:a16="http://schemas.microsoft.com/office/drawing/2014/main" id="{C428664A-1106-42AF-9F46-57085DA0E71C}"/>
+                <a16:creationId xmlns="" xmlns:a16="http://schemas.microsoft.com/office/drawing/2014/main" id="{C428664A-1106-42AF-9F46-57085DA0E71C}"/>
               </a:ext>
             </a:extLst>
           </p:cNvPr>
@@ -10004,7 +10404,7 @@
           <p:cNvPr id="4" name="Title 1">
             <a:extLst>
               <a:ext uri="{FF2B5EF4-FFF2-40B4-BE49-F238E27FC236}">
-                <a16:creationId xmlns:a16="http://schemas.microsoft.com/office/drawing/2014/main" id="{7DE78245-2DE9-45FA-8F82-2A8542C568DD}"/>
+                <a16:creationId xmlns="" xmlns:a16="http://schemas.microsoft.com/office/drawing/2014/main" id="{7DE78245-2DE9-45FA-8F82-2A8542C568DD}"/>
               </a:ext>
             </a:extLst>
           </p:cNvPr>
@@ -10042,6 +10442,192 @@
     <p:extLst>
       <p:ext uri="{BB962C8B-B14F-4D97-AF65-F5344CB8AC3E}">
         <p14:creationId xmlns:p14="http://schemas.microsoft.com/office/powerpoint/2010/main" val="252350371"/>
+      </p:ext>
+    </p:extLst>
+  </p:cSld>
+  <p:clrMapOvr>
+    <a:masterClrMapping/>
+  </p:clrMapOvr>
+  <p:timing>
+    <p:tnLst>
+      <p:par>
+        <p:cTn id="1" dur="indefinite" restart="never" nodeType="tmRoot"/>
+      </p:par>
+    </p:tnLst>
+  </p:timing>
+</p:sld>
+</file>
+
+<file path=ppt/slides/slide28.xml><?xml version="1.0" encoding="utf-8"?>
+<p:sld xmlns:a="http://schemas.openxmlformats.org/drawingml/2006/main" xmlns:r="http://schemas.openxmlformats.org/officeDocument/2006/relationships" xmlns:p="http://schemas.openxmlformats.org/presentationml/2006/main">
+  <p:cSld>
+    <p:spTree>
+      <p:nvGrpSpPr>
+        <p:cNvPr id="1" name=""/>
+        <p:cNvGrpSpPr/>
+        <p:nvPr/>
+      </p:nvGrpSpPr>
+      <p:grpSpPr>
+        <a:xfrm>
+          <a:off x="0" y="0"/>
+          <a:ext cx="0" cy="0"/>
+          <a:chOff x="0" y="0"/>
+          <a:chExt cx="0" cy="0"/>
+        </a:xfrm>
+      </p:grpSpPr>
+      <p:sp>
+        <p:nvSpPr>
+          <p:cNvPr id="4" name="Title 1">
+            <a:extLst>
+              <a:ext uri="{FF2B5EF4-FFF2-40B4-BE49-F238E27FC236}">
+                <a16:creationId xmlns="" xmlns:a16="http://schemas.microsoft.com/office/drawing/2014/main" id="{7DE78245-2DE9-45FA-8F82-2A8542C568DD}"/>
+              </a:ext>
+            </a:extLst>
+          </p:cNvPr>
+          <p:cNvSpPr>
+            <a:spLocks noGrp="1"/>
+          </p:cNvSpPr>
+          <p:nvPr>
+            <p:ph type="title"/>
+          </p:nvPr>
+        </p:nvSpPr>
+        <p:spPr>
+          <a:xfrm>
+            <a:off x="1071467" y="1084769"/>
+            <a:ext cx="9601196" cy="1303867"/>
+          </a:xfrm>
+        </p:spPr>
+        <p:txBody>
+          <a:bodyPr>
+            <a:normAutofit/>
+          </a:bodyPr>
+          <a:lstStyle/>
+          <a:p>
+            <a:r>
+              <a:rPr lang="en-US" b="1" dirty="0"/>
+              <a:t>hashing.py</a:t>
+            </a:r>
+            <a:r>
+              <a:rPr lang="en-US" dirty="0"/>
+              <a:t> </a:t>
+            </a:r>
+          </a:p>
+        </p:txBody>
+      </p:sp>
+      <p:sp>
+        <p:nvSpPr>
+          <p:cNvPr id="5" name="Content Placeholder 2">
+            <a:extLst>
+              <a:ext uri="{FF2B5EF4-FFF2-40B4-BE49-F238E27FC236}">
+                <a16:creationId xmlns="" xmlns:a16="http://schemas.microsoft.com/office/drawing/2014/main" id="{C428664A-1106-42AF-9F46-57085DA0E71C}"/>
+              </a:ext>
+            </a:extLst>
+          </p:cNvPr>
+          <p:cNvSpPr>
+            <a:spLocks noGrp="1"/>
+          </p:cNvSpPr>
+          <p:nvPr>
+            <p:ph idx="1"/>
+          </p:nvPr>
+        </p:nvSpPr>
+        <p:spPr>
+          <a:xfrm>
+            <a:off x="1295401" y="2556932"/>
+            <a:ext cx="9601196" cy="3318936"/>
+          </a:xfrm>
+        </p:spPr>
+        <p:txBody>
+          <a:bodyPr/>
+          <a:lstStyle/>
+          <a:p>
+            <a:r>
+              <a:rPr lang="en-US" dirty="0" smtClean="0"/>
+              <a:t>A traversal algorithm through the a Binary Search Tree </a:t>
+            </a:r>
+            <a:br>
+              <a:rPr lang="en-US" dirty="0" smtClean="0"/>
+            </a:br>
+            <a:endParaRPr lang="en-US" dirty="0" smtClean="0"/>
+          </a:p>
+          <a:p>
+            <a:r>
+              <a:rPr lang="en-US" dirty="0" smtClean="0"/>
+              <a:t>This was used for tree printing in function: </a:t>
+            </a:r>
+            <a:r>
+              <a:rPr lang="en-US" dirty="0" err="1" smtClean="0"/>
+              <a:t>def</a:t>
+            </a:r>
+            <a:r>
+              <a:rPr lang="en-US" dirty="0" smtClean="0"/>
+              <a:t> </a:t>
+            </a:r>
+            <a:r>
+              <a:rPr lang="en-US" dirty="0" err="1" smtClean="0"/>
+              <a:t>PrintTree</a:t>
+            </a:r>
+            <a:r>
+              <a:rPr lang="en-US" dirty="0" smtClean="0"/>
+              <a:t> ():</a:t>
+            </a:r>
+            <a:br>
+              <a:rPr lang="en-US" dirty="0" smtClean="0"/>
+            </a:br>
+            <a:endParaRPr lang="en-US" dirty="0" smtClean="0"/>
+          </a:p>
+          <a:p>
+            <a:r>
+              <a:rPr lang="en-US" dirty="0" smtClean="0"/>
+              <a:t>It was also used in function</a:t>
+            </a:r>
+            <a:r>
+              <a:rPr lang="en-US" dirty="0"/>
+              <a:t>: </a:t>
+            </a:r>
+            <a:r>
+              <a:rPr lang="en-US" dirty="0" err="1"/>
+              <a:t>def</a:t>
+            </a:r>
+            <a:r>
+              <a:rPr lang="en-US" dirty="0"/>
+              <a:t> </a:t>
+            </a:r>
+            <a:r>
+              <a:rPr lang="en-US" dirty="0" err="1">
+                <a:solidFill>
+                  <a:schemeClr val="tx1"/>
+                </a:solidFill>
+              </a:rPr>
+              <a:t>S</a:t>
+            </a:r>
+            <a:r>
+              <a:rPr lang="en-US" dirty="0" err="1" smtClean="0">
+                <a:solidFill>
+                  <a:schemeClr val="tx1"/>
+                </a:solidFill>
+              </a:rPr>
+              <a:t>earchBTin</a:t>
+            </a:r>
+            <a:r>
+              <a:rPr lang="en-US" dirty="0" smtClean="0">
+                <a:solidFill>
+                  <a:schemeClr val="tx1"/>
+                </a:solidFill>
+              </a:rPr>
+              <a:t> </a:t>
+            </a:r>
+            <a:r>
+              <a:rPr lang="en-US" dirty="0" smtClean="0"/>
+              <a:t>():</a:t>
+            </a:r>
+            <a:endParaRPr lang="en-US" dirty="0"/>
+          </a:p>
+        </p:txBody>
+      </p:sp>
+    </p:spTree>
+    <p:extLst>
+      <p:ext uri="{BB962C8B-B14F-4D97-AF65-F5344CB8AC3E}">
+        <p14:creationId xmlns:p14="http://schemas.microsoft.com/office/powerpoint/2010/main" val="4244407205"/>
       </p:ext>
     </p:extLst>
   </p:cSld>
@@ -10070,10 +10656,36 @@
       </p:grpSpPr>
       <p:sp>
         <p:nvSpPr>
-          <p:cNvPr id="4" name="TextBox 3">
+          <p:cNvPr id="3" name="Content Placeholder 2"/>
+          <p:cNvSpPr>
+            <a:spLocks noGrp="1"/>
+          </p:cNvSpPr>
+          <p:nvPr>
+            <p:ph idx="1"/>
+          </p:nvPr>
+        </p:nvSpPr>
+        <p:spPr/>
+        <p:txBody>
+          <a:bodyPr/>
+          <a:lstStyle/>
+          <a:p>
+            <a:pPr marL="0" indent="0" algn="ctr">
+              <a:buNone/>
+            </a:pPr>
+            <a:r>
+              <a:rPr lang="en-US" dirty="0"/>
+              <a:t>https://github.com/M-Morsy/Social-Network</a:t>
+            </a:r>
+            <a:endParaRPr lang="ar-EG" dirty="0"/>
+          </a:p>
+        </p:txBody>
+      </p:sp>
+      <p:sp>
+        <p:nvSpPr>
+          <p:cNvPr id="5" name="TextBox 4">
             <a:extLst>
               <a:ext uri="{FF2B5EF4-FFF2-40B4-BE49-F238E27FC236}">
-                <a16:creationId xmlns:a16="http://schemas.microsoft.com/office/drawing/2014/main" id="{AB0E0E98-196A-48C8-9C52-0A75F6FAED62}"/>
+                <a16:creationId xmlns="" xmlns:a16="http://schemas.microsoft.com/office/drawing/2014/main" id="{AB0E0E98-196A-48C8-9C52-0A75F6FAED62}"/>
               </a:ext>
             </a:extLst>
           </p:cNvPr>
@@ -10098,7 +10710,7 @@
           <a:p>
             <a:pPr algn="ctr"/>
             <a:r>
-              <a:rPr lang="en-US" sz="6000" b="1" dirty="0">
+              <a:rPr lang="en-US" sz="6000" b="1" dirty="0" err="1" smtClean="0">
                 <a:ln w="12700">
                   <a:solidFill>
                     <a:schemeClr val="accent1"/>
@@ -10122,11 +10734,62 @@
                   </a:outerShdw>
                 </a:effectLst>
               </a:rPr>
-              <a:t>Language used:</a:t>
-            </a:r>
-          </a:p>
-          <a:p>
-            <a:pPr algn="ctr"/>
+              <a:t>Github</a:t>
+            </a:r>
+            <a:r>
+              <a:rPr lang="en-US" sz="6000" b="1" dirty="0" smtClean="0">
+                <a:ln w="12700">
+                  <a:solidFill>
+                    <a:schemeClr val="accent1"/>
+                  </a:solidFill>
+                  <a:prstDash val="solid"/>
+                </a:ln>
+                <a:pattFill prst="pct50">
+                  <a:fgClr>
+                    <a:schemeClr val="accent1"/>
+                  </a:fgClr>
+                  <a:bgClr>
+                    <a:schemeClr val="accent1">
+                      <a:lumMod val="20000"/>
+                      <a:lumOff val="80000"/>
+                    </a:schemeClr>
+                  </a:bgClr>
+                </a:pattFill>
+                <a:effectLst>
+                  <a:outerShdw dist="38100" dir="2640000" algn="bl" rotWithShape="0">
+                    <a:schemeClr val="accent1"/>
+                  </a:outerShdw>
+                </a:effectLst>
+              </a:rPr>
+              <a:t> link</a:t>
+            </a:r>
+            <a:r>
+              <a:rPr lang="en-US" sz="6000" b="1" dirty="0" smtClean="0">
+                <a:ln w="12700">
+                  <a:solidFill>
+                    <a:schemeClr val="accent1"/>
+                  </a:solidFill>
+                  <a:prstDash val="solid"/>
+                </a:ln>
+                <a:pattFill prst="pct50">
+                  <a:fgClr>
+                    <a:schemeClr val="accent1"/>
+                  </a:fgClr>
+                  <a:bgClr>
+                    <a:schemeClr val="accent1">
+                      <a:lumMod val="20000"/>
+                      <a:lumOff val="80000"/>
+                    </a:schemeClr>
+                  </a:bgClr>
+                </a:pattFill>
+                <a:effectLst>
+                  <a:outerShdw dist="38100" dir="2640000" algn="bl" rotWithShape="0">
+                    <a:schemeClr val="accent1"/>
+                  </a:outerShdw>
+                </a:effectLst>
+              </a:rPr>
+              <a:t>:</a:t>
+            </a:r>
             <a:endParaRPr lang="en-US" sz="6000" b="1" dirty="0">
               <a:ln w="12700">
                 <a:solidFill>
@@ -10152,51 +10815,6 @@
               </a:effectLst>
             </a:endParaRPr>
           </a:p>
-        </p:txBody>
-      </p:sp>
-      <p:sp>
-        <p:nvSpPr>
-          <p:cNvPr id="6" name="TextBox 5">
-            <a:extLst>
-              <a:ext uri="{FF2B5EF4-FFF2-40B4-BE49-F238E27FC236}">
-                <a16:creationId xmlns:a16="http://schemas.microsoft.com/office/drawing/2014/main" id="{57A20E49-C182-4D6E-88EE-F480FE6AF855}"/>
-              </a:ext>
-            </a:extLst>
-          </p:cNvPr>
-          <p:cNvSpPr txBox="1"/>
-          <p:nvPr/>
-        </p:nvSpPr>
-        <p:spPr>
-          <a:xfrm>
-            <a:off x="2196398" y="2587248"/>
-            <a:ext cx="7031578" cy="2123658"/>
-          </a:xfrm>
-          <a:prstGeom prst="rect">
-            <a:avLst/>
-          </a:prstGeom>
-          <a:noFill/>
-        </p:spPr>
-        <p:txBody>
-          <a:bodyPr wrap="square" rtlCol="0">
-            <a:spAutoFit/>
-          </a:bodyPr>
-          <a:lstStyle/>
-          <a:p>
-            <a:pPr algn="ctr"/>
-            <a:r>
-              <a:rPr lang="en-US" sz="7200" dirty="0">
-                <a:ln w="0"/>
-                <a:effectLst>
-                  <a:outerShdw blurRad="38100" dist="19050" dir="2700000" algn="tl" rotWithShape="0">
-                    <a:schemeClr val="dk1">
-                      <a:alpha val="40000"/>
-                    </a:schemeClr>
-                  </a:outerShdw>
-                </a:effectLst>
-              </a:rPr>
-              <a:t>Python</a:t>
-            </a:r>
-          </a:p>
           <a:p>
             <a:pPr algn="ctr"/>
             <a:endParaRPr lang="en-US" sz="6000" b="1" dirty="0">
@@ -10229,7 +10847,7 @@
     </p:spTree>
     <p:extLst>
       <p:ext uri="{BB962C8B-B14F-4D97-AF65-F5344CB8AC3E}">
-        <p14:creationId xmlns:p14="http://schemas.microsoft.com/office/powerpoint/2010/main" val="542127259"/>
+        <p14:creationId xmlns:p14="http://schemas.microsoft.com/office/powerpoint/2010/main" val="2702194401"/>
       </p:ext>
     </p:extLst>
   </p:cSld>
@@ -10261,7 +10879,202 @@
           <p:cNvPr id="4" name="TextBox 3">
             <a:extLst>
               <a:ext uri="{FF2B5EF4-FFF2-40B4-BE49-F238E27FC236}">
-                <a16:creationId xmlns:a16="http://schemas.microsoft.com/office/drawing/2014/main" id="{AB0E0E98-196A-48C8-9C52-0A75F6FAED62}"/>
+                <a16:creationId xmlns="" xmlns:a16="http://schemas.microsoft.com/office/drawing/2014/main" id="{AB0E0E98-196A-48C8-9C52-0A75F6FAED62}"/>
+              </a:ext>
+            </a:extLst>
+          </p:cNvPr>
+          <p:cNvSpPr txBox="1"/>
+          <p:nvPr/>
+        </p:nvSpPr>
+        <p:spPr>
+          <a:xfrm>
+            <a:off x="2196398" y="1362265"/>
+            <a:ext cx="7031578" cy="1938992"/>
+          </a:xfrm>
+          <a:prstGeom prst="rect">
+            <a:avLst/>
+          </a:prstGeom>
+          <a:noFill/>
+        </p:spPr>
+        <p:txBody>
+          <a:bodyPr wrap="square" rtlCol="0">
+            <a:spAutoFit/>
+          </a:bodyPr>
+          <a:lstStyle/>
+          <a:p>
+            <a:pPr algn="ctr"/>
+            <a:r>
+              <a:rPr lang="en-US" sz="6000" b="1" dirty="0">
+                <a:ln w="12700">
+                  <a:solidFill>
+                    <a:schemeClr val="accent1"/>
+                  </a:solidFill>
+                  <a:prstDash val="solid"/>
+                </a:ln>
+                <a:pattFill prst="pct50">
+                  <a:fgClr>
+                    <a:schemeClr val="accent1"/>
+                  </a:fgClr>
+                  <a:bgClr>
+                    <a:schemeClr val="accent1">
+                      <a:lumMod val="20000"/>
+                      <a:lumOff val="80000"/>
+                    </a:schemeClr>
+                  </a:bgClr>
+                </a:pattFill>
+                <a:effectLst>
+                  <a:outerShdw dist="38100" dir="2640000" algn="bl" rotWithShape="0">
+                    <a:schemeClr val="accent1"/>
+                  </a:outerShdw>
+                </a:effectLst>
+              </a:rPr>
+              <a:t>Language used:</a:t>
+            </a:r>
+          </a:p>
+          <a:p>
+            <a:pPr algn="ctr"/>
+            <a:endParaRPr lang="en-US" sz="6000" b="1" dirty="0">
+              <a:ln w="12700">
+                <a:solidFill>
+                  <a:schemeClr val="accent1"/>
+                </a:solidFill>
+                <a:prstDash val="solid"/>
+              </a:ln>
+              <a:pattFill prst="pct50">
+                <a:fgClr>
+                  <a:schemeClr val="accent1"/>
+                </a:fgClr>
+                <a:bgClr>
+                  <a:schemeClr val="accent1">
+                    <a:lumMod val="20000"/>
+                    <a:lumOff val="80000"/>
+                  </a:schemeClr>
+                </a:bgClr>
+              </a:pattFill>
+              <a:effectLst>
+                <a:outerShdw dist="38100" dir="2640000" algn="bl" rotWithShape="0">
+                  <a:schemeClr val="accent1"/>
+                </a:outerShdw>
+              </a:effectLst>
+            </a:endParaRPr>
+          </a:p>
+        </p:txBody>
+      </p:sp>
+      <p:sp>
+        <p:nvSpPr>
+          <p:cNvPr id="6" name="TextBox 5">
+            <a:extLst>
+              <a:ext uri="{FF2B5EF4-FFF2-40B4-BE49-F238E27FC236}">
+                <a16:creationId xmlns="" xmlns:a16="http://schemas.microsoft.com/office/drawing/2014/main" id="{57A20E49-C182-4D6E-88EE-F480FE6AF855}"/>
+              </a:ext>
+            </a:extLst>
+          </p:cNvPr>
+          <p:cNvSpPr txBox="1"/>
+          <p:nvPr/>
+        </p:nvSpPr>
+        <p:spPr>
+          <a:xfrm>
+            <a:off x="2196398" y="2587248"/>
+            <a:ext cx="7031578" cy="2123658"/>
+          </a:xfrm>
+          <a:prstGeom prst="rect">
+            <a:avLst/>
+          </a:prstGeom>
+          <a:noFill/>
+        </p:spPr>
+        <p:txBody>
+          <a:bodyPr wrap="square" rtlCol="0">
+            <a:spAutoFit/>
+          </a:bodyPr>
+          <a:lstStyle/>
+          <a:p>
+            <a:pPr algn="ctr"/>
+            <a:r>
+              <a:rPr lang="en-US" sz="7200" dirty="0">
+                <a:ln w="0"/>
+                <a:effectLst>
+                  <a:outerShdw blurRad="38100" dist="19050" dir="2700000" algn="tl" rotWithShape="0">
+                    <a:schemeClr val="dk1">
+                      <a:alpha val="40000"/>
+                    </a:schemeClr>
+                  </a:outerShdw>
+                </a:effectLst>
+              </a:rPr>
+              <a:t>Python</a:t>
+            </a:r>
+          </a:p>
+          <a:p>
+            <a:pPr algn="ctr"/>
+            <a:endParaRPr lang="en-US" sz="6000" b="1" dirty="0">
+              <a:ln w="12700">
+                <a:solidFill>
+                  <a:schemeClr val="accent1"/>
+                </a:solidFill>
+                <a:prstDash val="solid"/>
+              </a:ln>
+              <a:pattFill prst="pct50">
+                <a:fgClr>
+                  <a:schemeClr val="accent1"/>
+                </a:fgClr>
+                <a:bgClr>
+                  <a:schemeClr val="accent1">
+                    <a:lumMod val="20000"/>
+                    <a:lumOff val="80000"/>
+                  </a:schemeClr>
+                </a:bgClr>
+              </a:pattFill>
+              <a:effectLst>
+                <a:outerShdw dist="38100" dir="2640000" algn="bl" rotWithShape="0">
+                  <a:schemeClr val="accent1"/>
+                </a:outerShdw>
+              </a:effectLst>
+            </a:endParaRPr>
+          </a:p>
+        </p:txBody>
+      </p:sp>
+    </p:spTree>
+    <p:extLst>
+      <p:ext uri="{BB962C8B-B14F-4D97-AF65-F5344CB8AC3E}">
+        <p14:creationId xmlns:p14="http://schemas.microsoft.com/office/powerpoint/2010/main" val="542127259"/>
+      </p:ext>
+    </p:extLst>
+  </p:cSld>
+  <p:clrMapOvr>
+    <a:masterClrMapping/>
+  </p:clrMapOvr>
+  <p:timing>
+    <p:tnLst>
+      <p:par>
+        <p:cTn id="1" dur="indefinite" restart="never" nodeType="tmRoot"/>
+      </p:par>
+    </p:tnLst>
+  </p:timing>
+</p:sld>
+</file>
+
+<file path=ppt/slides/slide5.xml><?xml version="1.0" encoding="utf-8"?>
+<p:sld xmlns:a="http://schemas.openxmlformats.org/drawingml/2006/main" xmlns:r="http://schemas.openxmlformats.org/officeDocument/2006/relationships" xmlns:p="http://schemas.openxmlformats.org/presentationml/2006/main">
+  <p:cSld>
+    <p:spTree>
+      <p:nvGrpSpPr>
+        <p:cNvPr id="1" name=""/>
+        <p:cNvGrpSpPr/>
+        <p:nvPr/>
+      </p:nvGrpSpPr>
+      <p:grpSpPr>
+        <a:xfrm>
+          <a:off x="0" y="0"/>
+          <a:ext cx="0" cy="0"/>
+          <a:chOff x="0" y="0"/>
+          <a:chExt cx="0" cy="0"/>
+        </a:xfrm>
+      </p:grpSpPr>
+      <p:sp>
+        <p:nvSpPr>
+          <p:cNvPr id="4" name="TextBox 3">
+            <a:extLst>
+              <a:ext uri="{FF2B5EF4-FFF2-40B4-BE49-F238E27FC236}">
+                <a16:creationId xmlns="" xmlns:a16="http://schemas.microsoft.com/office/drawing/2014/main" id="{AB0E0E98-196A-48C8-9C52-0A75F6FAED62}"/>
               </a:ext>
             </a:extLst>
           </p:cNvPr>
@@ -10347,7 +11160,7 @@
           <p:cNvPr id="9" name="TextBox 8">
             <a:extLst>
               <a:ext uri="{FF2B5EF4-FFF2-40B4-BE49-F238E27FC236}">
-                <a16:creationId xmlns:a16="http://schemas.microsoft.com/office/drawing/2014/main" id="{5DA98271-8BEC-4C19-8FE5-50FB3BD77D09}"/>
+                <a16:creationId xmlns="" xmlns:a16="http://schemas.microsoft.com/office/drawing/2014/main" id="{5DA98271-8BEC-4C19-8FE5-50FB3BD77D09}"/>
               </a:ext>
             </a:extLst>
           </p:cNvPr>
@@ -10382,8 +11195,57 @@
                   </a:outerShdw>
                 </a:effectLst>
               </a:rPr>
-              <a:t>Save And Load JSON Format Data From Local .txt File</a:t>
-            </a:r>
+              <a:t>Save And Load JSON Format Data From Local </a:t>
+            </a:r>
+            <a:r>
+              <a:rPr lang="en-US" sz="4800" dirty="0" smtClean="0">
+                <a:ln w="0"/>
+                <a:effectLst>
+                  <a:outerShdw blurRad="38100" dist="19050" dir="2700000" algn="tl" rotWithShape="0">
+                    <a:schemeClr val="dk1">
+                      <a:alpha val="40000"/>
+                    </a:schemeClr>
+                  </a:outerShdw>
+                </a:effectLst>
+              </a:rPr>
+              <a:t>.</a:t>
+            </a:r>
+            <a:r>
+              <a:rPr lang="en-US" sz="4800" dirty="0" err="1" smtClean="0">
+                <a:ln w="0"/>
+                <a:effectLst>
+                  <a:outerShdw blurRad="38100" dist="19050" dir="2700000" algn="tl" rotWithShape="0">
+                    <a:schemeClr val="dk1">
+                      <a:alpha val="40000"/>
+                    </a:schemeClr>
+                  </a:outerShdw>
+                </a:effectLst>
+              </a:rPr>
+              <a:t>json</a:t>
+            </a:r>
+            <a:r>
+              <a:rPr lang="en-US" sz="4800" dirty="0" smtClean="0">
+                <a:ln w="0"/>
+                <a:effectLst>
+                  <a:outerShdw blurRad="38100" dist="19050" dir="2700000" algn="tl" rotWithShape="0">
+                    <a:schemeClr val="dk1">
+                      <a:alpha val="40000"/>
+                    </a:schemeClr>
+                  </a:outerShdw>
+                </a:effectLst>
+              </a:rPr>
+              <a:t> File</a:t>
+            </a:r>
+            <a:endParaRPr lang="en-US" sz="4800" dirty="0">
+              <a:ln w="0"/>
+              <a:effectLst>
+                <a:outerShdw blurRad="38100" dist="19050" dir="2700000" algn="tl" rotWithShape="0">
+                  <a:schemeClr val="dk1">
+                    <a:alpha val="40000"/>
+                  </a:schemeClr>
+                </a:outerShdw>
+              </a:effectLst>
+            </a:endParaRPr>
           </a:p>
           <a:p>
             <a:pPr algn="ctr"/>
@@ -10424,10 +11286,17 @@
   <p:clrMapOvr>
     <a:masterClrMapping/>
   </p:clrMapOvr>
+  <p:timing>
+    <p:tnLst>
+      <p:par>
+        <p:cTn id="1" dur="indefinite" restart="never" nodeType="tmRoot"/>
+      </p:par>
+    </p:tnLst>
+  </p:timing>
 </p:sld>
 </file>
 
-<file path=ppt/slides/slide5.xml><?xml version="1.0" encoding="utf-8"?>
+<file path=ppt/slides/slide6.xml><?xml version="1.0" encoding="utf-8"?>
 <p:sld xmlns:a="http://schemas.openxmlformats.org/drawingml/2006/main" xmlns:r="http://schemas.openxmlformats.org/officeDocument/2006/relationships" xmlns:p="http://schemas.openxmlformats.org/presentationml/2006/main">
   <p:cSld>
     <p:spTree>
@@ -10449,7 +11318,7 @@
           <p:cNvPr id="5" name="TextBox 4">
             <a:extLst>
               <a:ext uri="{FF2B5EF4-FFF2-40B4-BE49-F238E27FC236}">
-                <a16:creationId xmlns:a16="http://schemas.microsoft.com/office/drawing/2014/main" id="{8F721998-0DCB-4BF5-8904-11560EA24EBB}"/>
+                <a16:creationId xmlns="" xmlns:a16="http://schemas.microsoft.com/office/drawing/2014/main" id="{8F721998-0DCB-4BF5-8904-11560EA24EBB}"/>
               </a:ext>
             </a:extLst>
           </p:cNvPr>
@@ -10543,10 +11412,17 @@
   <p:clrMapOvr>
     <a:masterClrMapping/>
   </p:clrMapOvr>
+  <p:timing>
+    <p:tnLst>
+      <p:par>
+        <p:cTn id="1" dur="indefinite" restart="never" nodeType="tmRoot"/>
+      </p:par>
+    </p:tnLst>
+  </p:timing>
 </p:sld>
 </file>
 
-<file path=ppt/slides/slide6.xml><?xml version="1.0" encoding="utf-8"?>
+<file path=ppt/slides/slide7.xml><?xml version="1.0" encoding="utf-8"?>
 <p:sld xmlns:a="http://schemas.openxmlformats.org/drawingml/2006/main" xmlns:r="http://schemas.openxmlformats.org/officeDocument/2006/relationships" xmlns:p="http://schemas.openxmlformats.org/presentationml/2006/main">
   <p:cSld>
     <p:spTree>
@@ -10568,7 +11444,7 @@
           <p:cNvPr id="3" name="Content Placeholder 2">
             <a:extLst>
               <a:ext uri="{FF2B5EF4-FFF2-40B4-BE49-F238E27FC236}">
-                <a16:creationId xmlns:a16="http://schemas.microsoft.com/office/drawing/2014/main" id="{A5BB0A25-47DA-44EC-B064-6BF53CBC415A}"/>
+                <a16:creationId xmlns="" xmlns:a16="http://schemas.microsoft.com/office/drawing/2014/main" id="{A5BB0A25-47DA-44EC-B064-6BF53CBC415A}"/>
               </a:ext>
             </a:extLst>
           </p:cNvPr>
@@ -10711,7 +11587,7 @@
           <p:cNvPr id="4" name="TextBox 3">
             <a:extLst>
               <a:ext uri="{FF2B5EF4-FFF2-40B4-BE49-F238E27FC236}">
-                <a16:creationId xmlns:a16="http://schemas.microsoft.com/office/drawing/2014/main" id="{337C9B4B-5F7E-48E8-B8A8-01A90781F537}"/>
+                <a16:creationId xmlns="" xmlns:a16="http://schemas.microsoft.com/office/drawing/2014/main" id="{337C9B4B-5F7E-48E8-B8A8-01A90781F537}"/>
               </a:ext>
             </a:extLst>
           </p:cNvPr>
@@ -10775,248 +11651,13 @@
   <p:clrMapOvr>
     <a:masterClrMapping/>
   </p:clrMapOvr>
-</p:sld>
-</file>
-
-<file path=ppt/slides/slide7.xml><?xml version="1.0" encoding="utf-8"?>
-<p:sld xmlns:a="http://schemas.openxmlformats.org/drawingml/2006/main" xmlns:r="http://schemas.openxmlformats.org/officeDocument/2006/relationships" xmlns:p="http://schemas.openxmlformats.org/presentationml/2006/main">
-  <p:cSld>
-    <p:spTree>
-      <p:nvGrpSpPr>
-        <p:cNvPr id="1" name=""/>
-        <p:cNvGrpSpPr/>
-        <p:nvPr/>
-      </p:nvGrpSpPr>
-      <p:grpSpPr>
-        <a:xfrm>
-          <a:off x="0" y="0"/>
-          <a:ext cx="0" cy="0"/>
-          <a:chOff x="0" y="0"/>
-          <a:chExt cx="0" cy="0"/>
-        </a:xfrm>
-      </p:grpSpPr>
-      <p:sp>
-        <p:nvSpPr>
-          <p:cNvPr id="2" name="Title 1">
-            <a:extLst>
-              <a:ext uri="{FF2B5EF4-FFF2-40B4-BE49-F238E27FC236}">
-                <a16:creationId xmlns:a16="http://schemas.microsoft.com/office/drawing/2014/main" id="{6D72A96A-B2A5-48BE-A4CA-C851561DC79C}"/>
-              </a:ext>
-            </a:extLst>
-          </p:cNvPr>
-          <p:cNvSpPr>
-            <a:spLocks noGrp="1"/>
-          </p:cNvSpPr>
-          <p:nvPr>
-            <p:ph type="title"/>
-          </p:nvPr>
-        </p:nvSpPr>
-        <p:spPr>
-          <a:xfrm>
-            <a:off x="1071467" y="1084769"/>
-            <a:ext cx="9601196" cy="1303867"/>
-          </a:xfrm>
-        </p:spPr>
-        <p:txBody>
-          <a:bodyPr>
-            <a:normAutofit/>
-          </a:bodyPr>
-          <a:lstStyle/>
-          <a:p>
-            <a:r>
-              <a:rPr lang="en-US" b="1" dirty="0"/>
-              <a:t>Person.py</a:t>
-            </a:r>
-          </a:p>
-        </p:txBody>
-      </p:sp>
-      <p:sp>
-        <p:nvSpPr>
-          <p:cNvPr id="3" name="Content Placeholder 2">
-            <a:extLst>
-              <a:ext uri="{FF2B5EF4-FFF2-40B4-BE49-F238E27FC236}">
-                <a16:creationId xmlns:a16="http://schemas.microsoft.com/office/drawing/2014/main" id="{50EE3FCA-68B2-417F-87C2-FDDE1AEE9B73}"/>
-              </a:ext>
-            </a:extLst>
-          </p:cNvPr>
-          <p:cNvSpPr>
-            <a:spLocks noGrp="1"/>
-          </p:cNvSpPr>
-          <p:nvPr>
-            <p:ph idx="1"/>
-          </p:nvPr>
-        </p:nvSpPr>
-        <p:spPr>
-          <a:xfrm>
-            <a:off x="1295400" y="2556932"/>
-            <a:ext cx="9845351" cy="3573280"/>
-          </a:xfrm>
-        </p:spPr>
-        <p:txBody>
-          <a:bodyPr>
-            <a:normAutofit fontScale="92500" lnSpcReduction="20000"/>
-          </a:bodyPr>
-          <a:lstStyle/>
-          <a:p>
-            <a:r>
-              <a:rPr lang="en-US" sz="1600" dirty="0"/>
-              <a:t>Each person has a set of attributes like:</a:t>
-            </a:r>
-          </a:p>
-          <a:p>
-            <a:r>
-              <a:rPr lang="en-US" sz="1600" dirty="0"/>
-              <a:t>ID: </a:t>
-            </a:r>
-            <a:r>
-              <a:rPr lang="en-US" sz="1600" dirty="0">
-                <a:solidFill>
-                  <a:srgbClr val="83992A"/>
-                </a:solidFill>
-              </a:rPr>
-              <a:t>for system identification</a:t>
-            </a:r>
-          </a:p>
-          <a:p>
-            <a:r>
-              <a:rPr lang="en-US" sz="1600" dirty="0"/>
-              <a:t>name: </a:t>
-            </a:r>
-            <a:r>
-              <a:rPr lang="en-US" sz="1600" dirty="0">
-                <a:solidFill>
-                  <a:srgbClr val="83992A"/>
-                </a:solidFill>
-              </a:rPr>
-              <a:t>user name</a:t>
-            </a:r>
-          </a:p>
-          <a:p>
-            <a:r>
-              <a:rPr lang="en-US" sz="1600" dirty="0"/>
-              <a:t>email</a:t>
-            </a:r>
-          </a:p>
-          <a:p>
-            <a:r>
-              <a:rPr lang="en-US" sz="1600" dirty="0"/>
-              <a:t>password: </a:t>
-            </a:r>
-            <a:r>
-              <a:rPr lang="en-US" sz="1600" dirty="0">
-                <a:solidFill>
-                  <a:srgbClr val="83992A"/>
-                </a:solidFill>
-              </a:rPr>
-              <a:t>used later on in registration</a:t>
-            </a:r>
-          </a:p>
-          <a:p>
-            <a:r>
-              <a:rPr lang="en-US" sz="1600" dirty="0"/>
-              <a:t>age</a:t>
-            </a:r>
-          </a:p>
-          <a:p>
-            <a:r>
-              <a:rPr lang="en-US" sz="1600" dirty="0"/>
-              <a:t>location: </a:t>
-            </a:r>
-            <a:r>
-              <a:rPr lang="en-US" sz="1600" dirty="0">
-                <a:solidFill>
-                  <a:srgbClr val="83992A"/>
-                </a:solidFill>
-              </a:rPr>
-              <a:t>countries</a:t>
-            </a:r>
-          </a:p>
-          <a:p>
-            <a:r>
-              <a:rPr lang="en-US" sz="1600" dirty="0"/>
-              <a:t>gender</a:t>
-            </a:r>
-          </a:p>
-          <a:p>
-            <a:r>
-              <a:rPr lang="en-US" sz="1600" dirty="0"/>
-              <a:t>posts: </a:t>
-            </a:r>
-            <a:r>
-              <a:rPr lang="en-US" sz="1600" dirty="0">
-                <a:solidFill>
-                  <a:srgbClr val="83992A"/>
-                </a:solidFill>
-              </a:rPr>
-              <a:t>list of posts IDs</a:t>
-            </a:r>
-          </a:p>
-          <a:p>
-            <a:r>
-              <a:rPr lang="en-US" sz="1600" dirty="0"/>
-              <a:t>groups: </a:t>
-            </a:r>
-            <a:r>
-              <a:rPr lang="en-US" sz="1600" dirty="0">
-                <a:solidFill>
-                  <a:srgbClr val="83992A"/>
-                </a:solidFill>
-              </a:rPr>
-              <a:t>list of group IDs </a:t>
-            </a:r>
-            <a:r>
-              <a:rPr lang="en-US" sz="1600" i="1" dirty="0">
-                <a:solidFill>
-                  <a:srgbClr val="83992A"/>
-                </a:solidFill>
-              </a:rPr>
-              <a:t>To be done later</a:t>
-            </a:r>
-            <a:endParaRPr lang="en-US" sz="1600" dirty="0">
-              <a:solidFill>
-                <a:srgbClr val="83992A"/>
-              </a:solidFill>
-            </a:endParaRPr>
-          </a:p>
-          <a:p>
-            <a:r>
-              <a:rPr lang="en-US" sz="1600" dirty="0"/>
-              <a:t>admin: </a:t>
-            </a:r>
-            <a:r>
-              <a:rPr lang="en-US" sz="1600" dirty="0">
-                <a:solidFill>
-                  <a:srgbClr val="83992A"/>
-                </a:solidFill>
-              </a:rPr>
-              <a:t>list of group IDs where this person is the group admin </a:t>
-            </a:r>
-            <a:r>
-              <a:rPr lang="en-US" sz="1600" i="1" dirty="0">
-                <a:solidFill>
-                  <a:srgbClr val="83992A"/>
-                </a:solidFill>
-              </a:rPr>
-              <a:t>To be done later</a:t>
-            </a:r>
-            <a:endParaRPr lang="en-US" sz="1600" dirty="0">
-              <a:solidFill>
-                <a:srgbClr val="83992A"/>
-              </a:solidFill>
-            </a:endParaRPr>
-          </a:p>
-        </p:txBody>
-      </p:sp>
-    </p:spTree>
-    <p:extLst>
-      <p:ext uri="{BB962C8B-B14F-4D97-AF65-F5344CB8AC3E}">
-        <p14:creationId xmlns:p14="http://schemas.microsoft.com/office/powerpoint/2010/main" val="2230439092"/>
-      </p:ext>
-    </p:extLst>
-  </p:cSld>
-  <p:clrMapOvr>
-    <a:masterClrMapping/>
-  </p:clrMapOvr>
+  <p:timing>
+    <p:tnLst>
+      <p:par>
+        <p:cTn id="1" dur="indefinite" restart="never" nodeType="tmRoot"/>
+      </p:par>
+    </p:tnLst>
+  </p:timing>
 </p:sld>
 </file>
 
@@ -11042,7 +11683,7 @@
           <p:cNvPr id="2" name="Title 1">
             <a:extLst>
               <a:ext uri="{FF2B5EF4-FFF2-40B4-BE49-F238E27FC236}">
-                <a16:creationId xmlns:a16="http://schemas.microsoft.com/office/drawing/2014/main" id="{6D72A96A-B2A5-48BE-A4CA-C851561DC79C}"/>
+                <a16:creationId xmlns="" xmlns:a16="http://schemas.microsoft.com/office/drawing/2014/main" id="{6D72A96A-B2A5-48BE-A4CA-C851561DC79C}"/>
               </a:ext>
             </a:extLst>
           </p:cNvPr>
@@ -11077,7 +11718,7 @@
           <p:cNvPr id="3" name="Content Placeholder 2">
             <a:extLst>
               <a:ext uri="{FF2B5EF4-FFF2-40B4-BE49-F238E27FC236}">
-                <a16:creationId xmlns:a16="http://schemas.microsoft.com/office/drawing/2014/main" id="{50EE3FCA-68B2-417F-87C2-FDDE1AEE9B73}"/>
+                <a16:creationId xmlns="" xmlns:a16="http://schemas.microsoft.com/office/drawing/2014/main" id="{50EE3FCA-68B2-417F-87C2-FDDE1AEE9B73}"/>
               </a:ext>
             </a:extLst>
           </p:cNvPr>
@@ -11091,122 +11732,181 @@
         <p:spPr>
           <a:xfrm>
             <a:off x="1295400" y="2556932"/>
-            <a:ext cx="9601197" cy="3573280"/>
+            <a:ext cx="9845351" cy="3573280"/>
           </a:xfrm>
         </p:spPr>
         <p:txBody>
           <a:bodyPr>
-            <a:normAutofit lnSpcReduction="10000"/>
+            <a:normAutofit fontScale="92500" lnSpcReduction="20000"/>
           </a:bodyPr>
           <a:lstStyle/>
           <a:p>
             <a:r>
-              <a:rPr lang="en-US" sz="2000" dirty="0" err="1"/>
-              <a:t>requests_sent</a:t>
-            </a:r>
-            <a:r>
-              <a:rPr lang="en-US" sz="2000" dirty="0"/>
-              <a:t>: </a:t>
-            </a:r>
-            <a:r>
-              <a:rPr lang="en-US" sz="2000" dirty="0">
+              <a:rPr lang="en-US" sz="1600" dirty="0"/>
+              <a:t>Each person has a set of attributes like:</a:t>
+            </a:r>
+          </a:p>
+          <a:p>
+            <a:r>
+              <a:rPr lang="en-US" sz="1600" dirty="0"/>
+              <a:t>ID: </a:t>
+            </a:r>
+            <a:r>
+              <a:rPr lang="en-US" sz="1600" dirty="0">
                 <a:solidFill>
                   <a:srgbClr val="83992A"/>
                 </a:solidFill>
               </a:rPr>
-              <a:t>dictionary with all other users' ids that this user sent friend requests to</a:t>
-            </a:r>
-          </a:p>
-          <a:p>
-            <a:r>
-              <a:rPr lang="en-US" sz="2000" dirty="0" err="1"/>
-              <a:t>requests_received</a:t>
-            </a:r>
-            <a:r>
-              <a:rPr lang="en-US" sz="2000" dirty="0"/>
-              <a:t>: </a:t>
-            </a:r>
-            <a:r>
-              <a:rPr lang="en-US" sz="2000" dirty="0">
+              <a:t>for system identification</a:t>
+            </a:r>
+          </a:p>
+          <a:p>
+            <a:r>
+              <a:rPr lang="en-US" sz="1600" dirty="0"/>
+              <a:t>name: </a:t>
+            </a:r>
+            <a:r>
+              <a:rPr lang="en-US" sz="1600" dirty="0">
                 <a:solidFill>
                   <a:srgbClr val="83992A"/>
                 </a:solidFill>
               </a:rPr>
-              <a:t>dictionary with all other users' ids that this user received friend requests from</a:t>
-            </a:r>
-          </a:p>
-          <a:p>
-            <a:r>
-              <a:rPr lang="en-US" sz="2000" dirty="0"/>
-              <a:t>setters and getters for all attributes</a:t>
-            </a:r>
-          </a:p>
-          <a:p>
-            <a:r>
-              <a:rPr lang="en-US" sz="2000" dirty="0"/>
-              <a:t>interface with post class: </a:t>
-            </a:r>
-          </a:p>
-          <a:p>
-            <a:pPr lvl="1"/>
-            <a:r>
-              <a:rPr lang="en-US" dirty="0"/>
-              <a:t>add post</a:t>
-            </a:r>
-          </a:p>
-          <a:p>
-            <a:pPr lvl="1"/>
-            <a:r>
-              <a:rPr lang="en-US" dirty="0"/>
-              <a:t>remove post</a:t>
-            </a:r>
-          </a:p>
-          <a:p>
-            <a:r>
-              <a:rPr lang="en-US" sz="2000" dirty="0"/>
-              <a:t>interface with group class:</a:t>
-            </a:r>
-            <a:br>
-              <a:rPr lang="en-US" sz="2000" dirty="0"/>
-            </a:br>
-            <a:r>
-              <a:rPr lang="en-US" sz="2000" i="1" dirty="0">
+              <a:t>user name</a:t>
+            </a:r>
+          </a:p>
+          <a:p>
+            <a:r>
+              <a:rPr lang="en-US" sz="1600" dirty="0"/>
+              <a:t>email</a:t>
+            </a:r>
+          </a:p>
+          <a:p>
+            <a:r>
+              <a:rPr lang="en-US" sz="1600" dirty="0"/>
+              <a:t>password: </a:t>
+            </a:r>
+            <a:r>
+              <a:rPr lang="en-US" sz="1600" dirty="0">
                 <a:solidFill>
                   <a:srgbClr val="83992A"/>
                 </a:solidFill>
               </a:rPr>
-              <a:t>To be done later - check future work</a:t>
-            </a:r>
-            <a:endParaRPr lang="en-US" sz="2000" dirty="0">
+              <a:t>used later on in registration</a:t>
+            </a:r>
+          </a:p>
+          <a:p>
+            <a:r>
+              <a:rPr lang="en-US" sz="1600" dirty="0"/>
+              <a:t>age</a:t>
+            </a:r>
+          </a:p>
+          <a:p>
+            <a:r>
+              <a:rPr lang="en-US" sz="1600" dirty="0"/>
+              <a:t>location: </a:t>
+            </a:r>
+            <a:r>
+              <a:rPr lang="en-US" sz="1600" dirty="0">
+                <a:solidFill>
+                  <a:srgbClr val="83992A"/>
+                </a:solidFill>
+              </a:rPr>
+              <a:t>countries</a:t>
+            </a:r>
+          </a:p>
+          <a:p>
+            <a:r>
+              <a:rPr lang="en-US" sz="1600" dirty="0"/>
+              <a:t>gender</a:t>
+            </a:r>
+          </a:p>
+          <a:p>
+            <a:r>
+              <a:rPr lang="en-US" sz="1600" dirty="0"/>
+              <a:t>posts: </a:t>
+            </a:r>
+            <a:r>
+              <a:rPr lang="en-US" sz="1600" dirty="0">
+                <a:solidFill>
+                  <a:srgbClr val="83992A"/>
+                </a:solidFill>
+              </a:rPr>
+              <a:t>list of posts IDs</a:t>
+            </a:r>
+          </a:p>
+          <a:p>
+            <a:r>
+              <a:rPr lang="en-US" sz="1600" dirty="0"/>
+              <a:t>groups: </a:t>
+            </a:r>
+            <a:r>
+              <a:rPr lang="en-US" sz="1600" dirty="0">
+                <a:solidFill>
+                  <a:srgbClr val="83992A"/>
+                </a:solidFill>
+              </a:rPr>
+              <a:t>list of group IDs </a:t>
+            </a:r>
+            <a:r>
+              <a:rPr lang="en-US" sz="1600" i="1" dirty="0">
+                <a:solidFill>
+                  <a:srgbClr val="83992A"/>
+                </a:solidFill>
+              </a:rPr>
+              <a:t>To be done later</a:t>
+            </a:r>
+            <a:endParaRPr lang="en-US" sz="1600" dirty="0">
               <a:solidFill>
                 <a:srgbClr val="83992A"/>
               </a:solidFill>
             </a:endParaRPr>
           </a:p>
           <a:p>
-            <a:pPr marL="0" indent="0">
-              <a:buNone/>
-            </a:pPr>
-            <a:endParaRPr lang="en-US" sz="2000" dirty="0"/>
-          </a:p>
-          <a:p>
-            <a:pPr marL="0" indent="0">
-              <a:buNone/>
-            </a:pPr>
-            <a:endParaRPr lang="en-US" sz="2000" dirty="0"/>
+            <a:r>
+              <a:rPr lang="en-US" sz="1600" dirty="0"/>
+              <a:t>admin: </a:t>
+            </a:r>
+            <a:r>
+              <a:rPr lang="en-US" sz="1600" dirty="0">
+                <a:solidFill>
+                  <a:srgbClr val="83992A"/>
+                </a:solidFill>
+              </a:rPr>
+              <a:t>list of group IDs where this person is the group admin </a:t>
+            </a:r>
+            <a:r>
+              <a:rPr lang="en-US" sz="1600" i="1" dirty="0">
+                <a:solidFill>
+                  <a:srgbClr val="83992A"/>
+                </a:solidFill>
+              </a:rPr>
+              <a:t>To be done later</a:t>
+            </a:r>
+            <a:endParaRPr lang="en-US" sz="1600" dirty="0">
+              <a:solidFill>
+                <a:srgbClr val="83992A"/>
+              </a:solidFill>
+            </a:endParaRPr>
           </a:p>
         </p:txBody>
       </p:sp>
     </p:spTree>
     <p:extLst>
       <p:ext uri="{BB962C8B-B14F-4D97-AF65-F5344CB8AC3E}">
-        <p14:creationId xmlns:p14="http://schemas.microsoft.com/office/powerpoint/2010/main" val="2190245198"/>
+        <p14:creationId xmlns:p14="http://schemas.microsoft.com/office/powerpoint/2010/main" val="2230439092"/>
       </p:ext>
     </p:extLst>
   </p:cSld>
   <p:clrMapOvr>
     <a:masterClrMapping/>
   </p:clrMapOvr>
+  <p:timing>
+    <p:tnLst>
+      <p:par>
+        <p:cTn id="1" dur="indefinite" restart="never" nodeType="tmRoot"/>
+      </p:par>
+    </p:tnLst>
+  </p:timing>
 </p:sld>
 </file>
 
@@ -11232,7 +11932,7 @@
           <p:cNvPr id="2" name="Title 1">
             <a:extLst>
               <a:ext uri="{FF2B5EF4-FFF2-40B4-BE49-F238E27FC236}">
-                <a16:creationId xmlns:a16="http://schemas.microsoft.com/office/drawing/2014/main" id="{6D72A96A-B2A5-48BE-A4CA-C851561DC79C}"/>
+                <a16:creationId xmlns="" xmlns:a16="http://schemas.microsoft.com/office/drawing/2014/main" id="{6D72A96A-B2A5-48BE-A4CA-C851561DC79C}"/>
               </a:ext>
             </a:extLst>
           </p:cNvPr>
@@ -11257,7 +11957,7 @@
           <a:p>
             <a:r>
               <a:rPr lang="en-US" b="1" dirty="0"/>
-              <a:t>Users.py</a:t>
+              <a:t>Person.py</a:t>
             </a:r>
           </a:p>
         </p:txBody>
@@ -11267,7 +11967,7 @@
           <p:cNvPr id="3" name="Content Placeholder 2">
             <a:extLst>
               <a:ext uri="{FF2B5EF4-FFF2-40B4-BE49-F238E27FC236}">
-                <a16:creationId xmlns:a16="http://schemas.microsoft.com/office/drawing/2014/main" id="{50EE3FCA-68B2-417F-87C2-FDDE1AEE9B73}"/>
+                <a16:creationId xmlns="" xmlns:a16="http://schemas.microsoft.com/office/drawing/2014/main" id="{50EE3FCA-68B2-417F-87C2-FDDE1AEE9B73}"/>
               </a:ext>
             </a:extLst>
           </p:cNvPr>
@@ -11286,55 +11986,86 @@
         </p:spPr>
         <p:txBody>
           <a:bodyPr>
-            <a:normAutofit fontScale="70000" lnSpcReduction="20000"/>
+            <a:normAutofit lnSpcReduction="10000"/>
           </a:bodyPr>
           <a:lstStyle/>
           <a:p>
             <a:r>
+              <a:rPr lang="en-US" sz="2000" dirty="0" err="1"/>
+              <a:t>requests_sent</a:t>
+            </a:r>
+            <a:r>
+              <a:rPr lang="en-US" sz="2000" dirty="0"/>
+              <a:t>: </a:t>
+            </a:r>
+            <a:r>
               <a:rPr lang="en-US" sz="2000" dirty="0">
                 <a:solidFill>
                   <a:srgbClr val="83992A"/>
                 </a:solidFill>
               </a:rPr>
-              <a:t>This file is divided into sections each section delivers a certain functionality</a:t>
-            </a:r>
-          </a:p>
-          <a:p>
-            <a:r>
-              <a:rPr lang="en-US" sz="2000" b="1" dirty="0"/>
-              <a:t>section one:</a:t>
-            </a:r>
-          </a:p>
-          <a:p>
+              <a:t>dictionary with all other users' ids that this user sent friend requests to</a:t>
+            </a:r>
+          </a:p>
+          <a:p>
+            <a:r>
+              <a:rPr lang="en-US" sz="2000" dirty="0" err="1"/>
+              <a:t>requests_received</a:t>
+            </a:r>
             <a:r>
               <a:rPr lang="en-US" sz="2000" dirty="0"/>
-              <a:t>class attributes and static data</a:t>
+              <a:t>: </a:t>
+            </a:r>
+            <a:r>
+              <a:rPr lang="en-US" sz="2000" dirty="0">
+                <a:solidFill>
+                  <a:srgbClr val="83992A"/>
+                </a:solidFill>
+              </a:rPr>
+              <a:t>dictionary with all other users' ids that this user received friend requests from</a:t>
             </a:r>
           </a:p>
           <a:p>
             <a:r>
               <a:rPr lang="en-US" sz="2000" dirty="0"/>
-              <a:t>constructor and destructor</a:t>
+              <a:t>setters and getters for all attributes</a:t>
             </a:r>
           </a:p>
           <a:p>
             <a:r>
               <a:rPr lang="en-US" sz="2000" dirty="0"/>
-              <a:t>Graph functionality</a:t>
-            </a:r>
-          </a:p>
-          <a:p>
-            <a:r>
-              <a:rPr lang="en-US" sz="2000" b="1" dirty="0"/>
-              <a:t>section two: searching algorithms </a:t>
-            </a:r>
+              <a:t>interface with post class: </a:t>
+            </a:r>
+          </a:p>
+          <a:p>
+            <a:pPr lvl="1"/>
+            <a:r>
+              <a:rPr lang="en-US" dirty="0"/>
+              <a:t>add post</a:t>
+            </a:r>
+          </a:p>
+          <a:p>
+            <a:pPr lvl="1"/>
+            <a:r>
+              <a:rPr lang="en-US" dirty="0"/>
+              <a:t>remove post</a:t>
+            </a:r>
+          </a:p>
+          <a:p>
+            <a:r>
+              <a:rPr lang="en-US" sz="2000" dirty="0"/>
+              <a:t>interface with group class:</a:t>
+            </a:r>
+            <a:br>
+              <a:rPr lang="en-US" sz="2000" dirty="0"/>
+            </a:br>
             <a:r>
               <a:rPr lang="en-US" sz="2000" i="1" dirty="0">
                 <a:solidFill>
                   <a:srgbClr val="83992A"/>
                 </a:solidFill>
               </a:rPr>
-              <a:t>To Be Done</a:t>
+              <a:t>To be done later - check future work</a:t>
             </a:r>
             <a:endParaRPr lang="en-US" sz="2000" dirty="0">
               <a:solidFill>
@@ -11343,73 +12074,10 @@
             </a:endParaRPr>
           </a:p>
           <a:p>
-            <a:r>
-              <a:rPr lang="en-US" sz="2000" b="1" dirty="0"/>
-              <a:t>section three: Posts</a:t>
-            </a:r>
-          </a:p>
-          <a:p>
-            <a:r>
-              <a:rPr lang="en-US" sz="2000" dirty="0"/>
-              <a:t>One static attribute is Posts, which is a list of Post objects to enable use of all Post methods</a:t>
-            </a:r>
-            <a:br>
-              <a:rPr lang="en-US" sz="2000" dirty="0"/>
-            </a:br>
-            <a:r>
-              <a:rPr lang="en-US" sz="2000" dirty="0"/>
-              <a:t>Also an interface with Comment class through Post class, not directly.</a:t>
-            </a:r>
-            <a:br>
-              <a:rPr lang="en-US" sz="2000" dirty="0"/>
-            </a:br>
-            <a:r>
-              <a:rPr lang="en-US" sz="2000" dirty="0"/>
-              <a:t>But some extra functions are needed here like</a:t>
-            </a:r>
-          </a:p>
-          <a:p>
-            <a:r>
-              <a:rPr lang="en-US" sz="2000" dirty="0" err="1"/>
-              <a:t>add_post</a:t>
-            </a:r>
-            <a:r>
-              <a:rPr lang="en-US" sz="2000" dirty="0"/>
-              <a:t>(self, post, </a:t>
-            </a:r>
-            <a:r>
-              <a:rPr lang="en-US" sz="2000" dirty="0" err="1"/>
-              <a:t>user_id</a:t>
-            </a:r>
-            <a:r>
-              <a:rPr lang="en-US" sz="2000" dirty="0"/>
-              <a:t>)</a:t>
-            </a:r>
-            <a:br>
-              <a:rPr lang="en-US" sz="2000" dirty="0"/>
-            </a:br>
-            <a:r>
-              <a:rPr lang="en-US" sz="2000" dirty="0"/>
-              <a:t>to add Post objects to the static Post list in class</a:t>
-            </a:r>
-          </a:p>
-          <a:p>
-            <a:r>
-              <a:rPr lang="en-US" sz="2000" dirty="0" err="1"/>
-              <a:t>get_posts</a:t>
-            </a:r>
-            <a:r>
-              <a:rPr lang="en-US" sz="2000" dirty="0"/>
-              <a:t>(self, </a:t>
-            </a:r>
-            <a:r>
-              <a:rPr lang="en-US" sz="2000" dirty="0" err="1"/>
-              <a:t>user_id</a:t>
-            </a:r>
-            <a:r>
-              <a:rPr lang="en-US" sz="2000" dirty="0"/>
-              <a:t>): to view all posts in the network</a:t>
-            </a:r>
+            <a:pPr marL="0" indent="0">
+              <a:buNone/>
+            </a:pPr>
+            <a:endParaRPr lang="en-US" sz="2000" dirty="0"/>
           </a:p>
           <a:p>
             <a:pPr marL="0" indent="0">
@@ -11422,13 +12090,20 @@
     </p:spTree>
     <p:extLst>
       <p:ext uri="{BB962C8B-B14F-4D97-AF65-F5344CB8AC3E}">
-        <p14:creationId xmlns:p14="http://schemas.microsoft.com/office/powerpoint/2010/main" val="3155458274"/>
+        <p14:creationId xmlns:p14="http://schemas.microsoft.com/office/powerpoint/2010/main" val="2190245198"/>
       </p:ext>
     </p:extLst>
   </p:cSld>
   <p:clrMapOvr>
     <a:masterClrMapping/>
   </p:clrMapOvr>
+  <p:timing>
+    <p:tnLst>
+      <p:par>
+        <p:cTn id="1" dur="indefinite" restart="never" nodeType="tmRoot"/>
+      </p:par>
+    </p:tnLst>
+  </p:timing>
 </p:sld>
 </file>
 
@@ -11475,7 +12150,7 @@
     </a:clrScheme>
     <a:fontScheme name="Organic">
       <a:majorFont>
-        <a:latin typeface="Garamond" panose="02020404030301010803"/>
+        <a:latin typeface="Garamond"/>
         <a:ea typeface=""/>
         <a:cs typeface=""/>
         <a:font script="Jpan" typeface="ＭＳ Ｐゴシック"/>
@@ -11510,7 +12185,7 @@
         <a:font script="Geor" typeface="Sylfaen"/>
       </a:majorFont>
       <a:minorFont>
-        <a:latin typeface="Garamond" panose="02020404030301010803"/>
+        <a:latin typeface="Garamond"/>
         <a:ea typeface=""/>
         <a:cs typeface=""/>
         <a:font script="Jpan" typeface="ＭＳ Ｐ明朝"/>
@@ -11659,7 +12334,7 @@
   <a:extraClrSchemeLst/>
   <a:extLst>
     <a:ext uri="{05A4C25C-085E-4340-85A3-A5531E510DB2}">
-      <thm15:themeFamily xmlns:thm15="http://schemas.microsoft.com/office/thememl/2012/main" name="Organic" id="{28CDC826-8792-45C0-861B-85EB3ADEDA33}" vid="{7DAC20F1-423D-49E2-BD0B-50532748BAD0}"/>
+      <thm15:themeFamily xmlns="" xmlns:thm15="http://schemas.microsoft.com/office/thememl/2012/main" name="Organic" id="{28CDC826-8792-45C0-861B-85EB3ADEDA33}" vid="{7DAC20F1-423D-49E2-BD0B-50532748BAD0}"/>
     </a:ext>
   </a:extLst>
 </a:theme>
@@ -11708,7 +12383,7 @@
     </a:clrScheme>
     <a:fontScheme name="Office">
       <a:majorFont>
-        <a:latin typeface="Calibri Light" panose="020F0302020204030204"/>
+        <a:latin typeface="Calibri Light"/>
         <a:ea typeface=""/>
         <a:cs typeface=""/>
         <a:font script="Jpan" typeface="游ゴシック Light"/>
@@ -11760,7 +12435,7 @@
         <a:font script="Tfng" typeface="Ebrima"/>
       </a:majorFont>
       <a:minorFont>
-        <a:latin typeface="Calibri" panose="020F0502020204030204"/>
+        <a:latin typeface="Calibri"/>
         <a:ea typeface=""/>
         <a:cs typeface=""/>
         <a:font script="Jpan" typeface="游ゴシック"/>
@@ -11954,7 +12629,7 @@
   <a:extraClrSchemeLst/>
   <a:extLst>
     <a:ext uri="{05A4C25C-085E-4340-85A3-A5531E510DB2}">
-      <thm15:themeFamily xmlns:thm15="http://schemas.microsoft.com/office/thememl/2012/main" name="Office Theme" id="{62F939B6-93AF-4DB8-9C6B-D6C7DFDC589F}" vid="{4A3C46E8-61CC-4603-A589-7422A47A8E4A}"/>
+      <thm15:themeFamily xmlns="" xmlns:thm15="http://schemas.microsoft.com/office/thememl/2012/main" name="Office Theme" id="{62F939B6-93AF-4DB8-9C6B-D6C7DFDC589F}" vid="{4A3C46E8-61CC-4603-A589-7422A47A8E4A}"/>
     </a:ext>
   </a:extLst>
 </a:theme>
